--- a/ACFML/毕设/毕设答辩.pptx
+++ b/ACFML/毕设/毕设答辩.pptx
@@ -531,18 +531,17 @@
           <a:lstStyle/>
           <a:p>
             <a:r>
-              <a:rPr kumimoji="1" lang="zh-CN" altLang="en-US" dirty="0" smtClean="0"/>
+              <a:rPr kumimoji="1" lang="zh-CN" altLang="en-US" dirty="0"/>
               <a:t>各位老师上午好 我叫王睿嘉 是石川老师</a:t>
             </a:r>
             <a:r>
-              <a:rPr kumimoji="1" lang="en-US" altLang="zh-CN" dirty="0" smtClean="0"/>
+              <a:rPr kumimoji="1" lang="en-US" altLang="zh-CN" dirty="0"/>
               <a:t>2019</a:t>
             </a:r>
             <a:r>
-              <a:rPr kumimoji="1" lang="zh-CN" altLang="en-US" dirty="0" smtClean="0"/>
+              <a:rPr kumimoji="1" lang="zh-CN" altLang="en-US" dirty="0"/>
               <a:t>届的直博生 我的毕设题目是异质信息网络中的相似性推荐算法研究 下面我将汇报毕设的具体内容 恳请各位老师批评指正</a:t>
             </a:r>
-            <a:endParaRPr kumimoji="1" lang="zh-CN" altLang="en-US" dirty="0"/>
           </a:p>
         </p:txBody>
       </p:sp>
@@ -1339,7 +1338,7 @@
           <a:lstStyle/>
           <a:p>
             <a:r>
-              <a:rPr lang="zh-CN" altLang="en-US" sz="1200" kern="1200" dirty="0" smtClean="0">
+              <a:rPr lang="zh-CN" altLang="en-US" sz="1200" kern="1200" dirty="0">
                 <a:solidFill>
                   <a:schemeClr val="tx1"/>
                 </a:solidFill>
@@ -1348,19 +1347,7 @@
                 <a:ea typeface="+mn-ea"/>
                 <a:cs typeface="+mn-cs"/>
               </a:rPr>
-              <a:t>接下来 我详细</a:t>
-            </a:r>
-            <a:r>
-              <a:rPr lang="zh-CN" altLang="en-US" sz="1200" kern="1200" dirty="0">
-                <a:solidFill>
-                  <a:schemeClr val="tx1"/>
-                </a:solidFill>
-                <a:effectLst/>
-                <a:latin typeface="+mn-lt"/>
-                <a:ea typeface="+mn-ea"/>
-                <a:cs typeface="+mn-cs"/>
-              </a:rPr>
-              <a:t>介绍模型</a:t>
+              <a:t>接下来 我详细介绍模型</a:t>
             </a:r>
             <a:r>
               <a:rPr lang="en-US" altLang="zh-CN" sz="1200" kern="1200" dirty="0">
@@ -2269,22 +2256,10 @@
                 <a:ea typeface="+mn-ea"/>
                 <a:cs typeface="+mn-cs"/>
               </a:rPr>
-              <a:t>metric </a:t>
-            </a:r>
-            <a:r>
-              <a:rPr lang="en-US" altLang="zh-CN" sz="1200" kern="1200" dirty="0" smtClean="0">
-                <a:solidFill>
-                  <a:schemeClr val="tx1"/>
-                </a:solidFill>
-                <a:effectLst/>
-                <a:latin typeface="+mn-lt"/>
-                <a:ea typeface="+mn-ea"/>
-                <a:cs typeface="+mn-cs"/>
-              </a:rPr>
-              <a:t>learning </a:t>
-            </a:r>
-            <a:r>
-              <a:rPr lang="zh-CN" altLang="en-US" sz="1200" b="0" i="0" u="none" strike="noStrike" kern="1200" baseline="0" dirty="0" smtClean="0">
+              <a:t>metric learning </a:t>
+            </a:r>
+            <a:r>
+              <a:rPr lang="zh-CN" altLang="en-US" sz="1200" b="0" i="0" u="none" strike="noStrike" kern="1200" baseline="0" dirty="0">
                 <a:solidFill>
                   <a:schemeClr val="tx1"/>
                 </a:solidFill>
@@ -2295,7 +2270,7 @@
               <a:t>以欧几里得距离定义的</a:t>
             </a:r>
             <a:r>
-              <a:rPr lang="en-US" altLang="zh-CN" sz="1200" b="0" i="0" u="none" strike="noStrike" kern="1200" baseline="0" dirty="0" smtClean="0">
+              <a:rPr lang="en-US" altLang="zh-CN" sz="1200" b="0" i="0" u="none" strike="noStrike" kern="1200" baseline="0" dirty="0">
                 <a:solidFill>
                   <a:schemeClr val="tx1"/>
                 </a:solidFill>
@@ -2306,7 +2281,7 @@
               <a:t>metric</a:t>
             </a:r>
             <a:r>
-              <a:rPr lang="zh-CN" altLang="en-US" sz="1200" b="0" i="0" u="none" strike="noStrike" kern="1200" baseline="0" dirty="0" smtClean="0">
+              <a:rPr lang="zh-CN" altLang="en-US" sz="1200" b="0" i="0" u="none" strike="noStrike" kern="1200" baseline="0" dirty="0">
                 <a:solidFill>
                   <a:schemeClr val="tx1"/>
                 </a:solidFill>
@@ -2316,7 +2291,7 @@
               </a:rPr>
               <a:t>衡量用户和物品的交互可能性</a:t>
             </a:r>
-            <a:endParaRPr lang="en-US" altLang="zh-CN" sz="1200" b="0" i="0" u="none" strike="noStrike" kern="1200" baseline="0" dirty="0" smtClean="0">
+            <a:endParaRPr lang="en-US" altLang="zh-CN" sz="1200" b="0" i="0" u="none" strike="noStrike" kern="1200" baseline="0" dirty="0">
               <a:solidFill>
                 <a:schemeClr val="tx1"/>
               </a:solidFill>
@@ -2345,7 +2320,7 @@
               <a:defRPr/>
             </a:pPr>
             <a:r>
-              <a:rPr lang="zh-CN" altLang="en-US" sz="1200" b="0" i="0" u="none" strike="noStrike" kern="1200" baseline="0" dirty="0" smtClean="0">
+              <a:rPr lang="zh-CN" altLang="en-US" sz="1200" b="0" i="0" u="none" strike="noStrike" kern="1200" baseline="0" dirty="0">
                 <a:solidFill>
                   <a:schemeClr val="tx1"/>
                 </a:solidFill>
@@ -2357,56 +2332,18 @@
               <a:t>并</a:t>
             </a:r>
             <a:r>
-              <a:rPr lang="zh-CN" altLang="en-US" sz="1200" b="0" i="0" u="none" strike="noStrike" kern="1200" baseline="0" dirty="0" smtClean="0">
-                <a:solidFill>
-                  <a:schemeClr val="tx1"/>
-                </a:solidFill>
-                <a:latin typeface="+mn-lt"/>
-                <a:ea typeface="+mn-ea"/>
-                <a:cs typeface="+mn-cs"/>
-              </a:rPr>
-              <a:t>基于已定义的打分函数和</a:t>
-            </a:r>
-            <a:endParaRPr lang="en-US" altLang="zh-CN" sz="1200" b="0" i="0" u="none" strike="noStrike" kern="1200" baseline="0" dirty="0" smtClean="0">
-              <a:solidFill>
-                <a:schemeClr val="tx1"/>
-              </a:solidFill>
-              <a:latin typeface="+mn-lt"/>
-              <a:ea typeface="+mn-ea"/>
-              <a:cs typeface="+mn-cs"/>
-            </a:endParaRPr>
-          </a:p>
-          <a:p>
-            <a:pPr marL="0" marR="0" lvl="0" indent="0" algn="l" defTabSz="914400" rtl="0" eaLnBrk="1" fontAlgn="auto" latinLnBrk="0" hangingPunct="1">
-              <a:lnSpc>
-                <a:spcPct val="100000"/>
-              </a:lnSpc>
-              <a:spcBef>
-                <a:spcPts val="0"/>
-              </a:spcBef>
-              <a:spcAft>
-                <a:spcPts val="0"/>
-              </a:spcAft>
-              <a:buClrTx/>
-              <a:buSzTx/>
-              <a:buFontTx/>
-              <a:buNone/>
-              <a:tabLst/>
-              <a:defRPr/>
-            </a:pPr>
-            <a:r>
-              <a:rPr lang="zh-CN" altLang="en-US" sz="1200" b="0" i="0" u="none" strike="noStrike" kern="1200" baseline="0" dirty="0" smtClean="0">
-                <a:solidFill>
-                  <a:schemeClr val="tx1"/>
-                </a:solidFill>
-                <a:latin typeface="+mn-lt"/>
-                <a:ea typeface="+mn-ea"/>
-                <a:cs typeface="+mn-cs"/>
-              </a:rPr>
-              <a:t>负采样技术使用</a:t>
-            </a:r>
-            <a:r>
-              <a:rPr lang="en-US" altLang="zh-CN" sz="1200" kern="1200" dirty="0" smtClean="0">
+              <a:rPr lang="zh-CN" altLang="en-US" sz="1200" b="0" i="0" u="none" strike="noStrike" kern="1200" baseline="0" dirty="0">
+                <a:solidFill>
+                  <a:schemeClr val="tx1"/>
+                </a:solidFill>
+                <a:latin typeface="+mn-lt"/>
+                <a:ea typeface="+mn-ea"/>
+                <a:cs typeface="+mn-cs"/>
+              </a:rPr>
+              <a:t>基于已定义的打分函数和负采样技术使用</a:t>
+            </a:r>
+            <a:r>
+              <a:rPr lang="en-US" altLang="zh-CN" sz="1200" kern="1200" dirty="0">
                 <a:solidFill>
                   <a:schemeClr val="tx1"/>
                 </a:solidFill>
@@ -2439,10 +2376,10 @@
                 <a:ea typeface="+mn-ea"/>
                 <a:cs typeface="+mn-cs"/>
               </a:rPr>
-              <a:t> </a:t>
-            </a:r>
-            <a:r>
-              <a:rPr lang="zh-CN" altLang="en-US" sz="1200" kern="1200" baseline="0" dirty="0" smtClean="0">
+              <a:t> 从而在保留相似性传递过程的同时显式捕捉排序信息</a:t>
+            </a:r>
+            <a:br>
+              <a:rPr lang="en-US" altLang="zh-CN" sz="1200" kern="1200" baseline="0" dirty="0">
                 <a:solidFill>
                   <a:schemeClr val="tx1"/>
                 </a:solidFill>
@@ -2451,8 +2388,7 @@
                 <a:ea typeface="+mn-ea"/>
                 <a:cs typeface="+mn-cs"/>
               </a:rPr>
-              <a:t>从而在保留</a:t>
-            </a:r>
+            </a:br>
             <a:r>
               <a:rPr lang="zh-CN" altLang="en-US" sz="1200" kern="1200" baseline="0" dirty="0">
                 <a:solidFill>
@@ -2463,10 +2399,10 @@
                 <a:ea typeface="+mn-ea"/>
                 <a:cs typeface="+mn-cs"/>
               </a:rPr>
-              <a:t>相似性传递过程的同时显示捕捉排序</a:t>
-            </a:r>
-            <a:r>
-              <a:rPr lang="zh-CN" altLang="en-US" sz="1200" kern="1200" baseline="0" dirty="0" smtClean="0">
+              <a:t>以上为改进模型</a:t>
+            </a:r>
+            <a:r>
+              <a:rPr lang="en-US" altLang="zh-CN" sz="1200" kern="1200" baseline="0" dirty="0">
                 <a:solidFill>
                   <a:schemeClr val="tx1"/>
                 </a:solidFill>
@@ -2475,57 +2411,10 @@
                 <a:ea typeface="+mn-ea"/>
                 <a:cs typeface="+mn-cs"/>
               </a:rPr>
-              <a:t>信息</a:t>
-            </a:r>
-            <a:r>
-              <a:rPr lang="en-US" altLang="zh-CN" sz="1200" kern="1200" baseline="0" dirty="0" smtClean="0">
-                <a:solidFill>
-                  <a:schemeClr val="tx1"/>
-                </a:solidFill>
-                <a:effectLst/>
-                <a:latin typeface="+mn-lt"/>
-                <a:ea typeface="+mn-ea"/>
-                <a:cs typeface="+mn-cs"/>
-              </a:rPr>
-              <a:t/>
-            </a:r>
-            <a:br>
-              <a:rPr lang="en-US" altLang="zh-CN" sz="1200" kern="1200" baseline="0" dirty="0" smtClean="0">
-                <a:solidFill>
-                  <a:schemeClr val="tx1"/>
-                </a:solidFill>
-                <a:effectLst/>
-                <a:latin typeface="+mn-lt"/>
-                <a:ea typeface="+mn-ea"/>
-                <a:cs typeface="+mn-cs"/>
-              </a:rPr>
-            </a:br>
-            <a:r>
-              <a:rPr lang="zh-CN" altLang="en-US" sz="1200" kern="1200" baseline="0" dirty="0" smtClean="0">
-                <a:solidFill>
-                  <a:schemeClr val="tx1"/>
-                </a:solidFill>
-                <a:effectLst/>
-                <a:latin typeface="+mn-lt"/>
-                <a:ea typeface="+mn-ea"/>
-                <a:cs typeface="+mn-cs"/>
-              </a:rPr>
-              <a:t>以上为改进模型</a:t>
-            </a:r>
-            <a:r>
-              <a:rPr lang="en-US" altLang="zh-CN" sz="1200" kern="1200" baseline="0" dirty="0" smtClean="0">
-                <a:solidFill>
-                  <a:schemeClr val="tx1"/>
-                </a:solidFill>
-                <a:effectLst/>
-                <a:latin typeface="+mn-lt"/>
-                <a:ea typeface="+mn-ea"/>
-                <a:cs typeface="+mn-cs"/>
-              </a:rPr>
               <a:t>ACFML</a:t>
             </a:r>
             <a:r>
-              <a:rPr lang="zh-CN" altLang="en-US" sz="1200" kern="1200" baseline="0" dirty="0" smtClean="0">
+              <a:rPr lang="zh-CN" altLang="en-US" sz="1200" kern="1200" baseline="0" dirty="0">
                 <a:solidFill>
                   <a:schemeClr val="tx1"/>
                 </a:solidFill>
@@ -2638,7 +2527,7 @@
               <a:defRPr/>
             </a:pPr>
             <a:r>
-              <a:rPr lang="zh-CN" altLang="en-US" sz="1200" kern="1200" dirty="0" smtClean="0">
+              <a:rPr lang="zh-CN" altLang="en-US" sz="1200" kern="1200" dirty="0">
                 <a:solidFill>
                   <a:schemeClr val="tx1"/>
                 </a:solidFill>
@@ -2759,7 +2648,7 @@
               <a:defRPr/>
             </a:pPr>
             <a:r>
-              <a:rPr lang="zh-CN" altLang="en-US" sz="1200" kern="1200" dirty="0" smtClean="0">
+              <a:rPr lang="zh-CN" altLang="en-US" sz="1200" kern="1200" dirty="0">
                 <a:solidFill>
                   <a:schemeClr val="tx1"/>
                 </a:solidFill>
@@ -2768,7 +2657,43 @@
                 <a:ea typeface="+mn-ea"/>
                 <a:cs typeface="+mn-cs"/>
               </a:rPr>
-              <a:t>首先 根据</a:t>
+              <a:t>首先 根据需求选择并调整数据集 利用</a:t>
+            </a:r>
+            <a:r>
+              <a:rPr lang="zh-CN" altLang="zh-CN" sz="1200" kern="1200" dirty="0">
+                <a:solidFill>
+                  <a:schemeClr val="tx1"/>
+                </a:solidFill>
+                <a:effectLst/>
+                <a:latin typeface="+mn-lt"/>
+                <a:ea typeface="+mn-ea"/>
+                <a:cs typeface="+mn-cs"/>
+              </a:rPr>
+              <a:t>公开的</a:t>
+            </a:r>
+            <a:r>
+              <a:rPr lang="en-US" altLang="zh-CN" sz="1200" kern="1200" dirty="0" err="1">
+                <a:solidFill>
+                  <a:schemeClr val="tx1"/>
+                </a:solidFill>
+                <a:effectLst/>
+                <a:latin typeface="+mn-lt"/>
+                <a:ea typeface="+mn-ea"/>
+                <a:cs typeface="+mn-cs"/>
+              </a:rPr>
+              <a:t>MovieLens</a:t>
+            </a:r>
+            <a:r>
+              <a:rPr lang="zh-CN" altLang="zh-CN" sz="1200" kern="1200" dirty="0">
+                <a:solidFill>
+                  <a:schemeClr val="tx1"/>
+                </a:solidFill>
+                <a:effectLst/>
+                <a:latin typeface="+mn-lt"/>
+                <a:ea typeface="+mn-ea"/>
+                <a:cs typeface="+mn-cs"/>
+              </a:rPr>
+              <a:t>和</a:t>
             </a:r>
             <a:r>
               <a:rPr lang="zh-CN" altLang="en-US" sz="1200" kern="1200" dirty="0">
@@ -2780,10 +2705,10 @@
                 <a:ea typeface="+mn-ea"/>
                 <a:cs typeface="+mn-cs"/>
               </a:rPr>
-              <a:t>需求选择并</a:t>
-            </a:r>
-            <a:r>
-              <a:rPr lang="zh-CN" altLang="en-US" sz="1200" kern="1200" dirty="0" smtClean="0">
+              <a:t>亚马逊</a:t>
+            </a:r>
+            <a:r>
+              <a:rPr lang="zh-CN" altLang="zh-CN" sz="1200" kern="1200" dirty="0">
                 <a:solidFill>
                   <a:schemeClr val="tx1"/>
                 </a:solidFill>
@@ -2792,7 +2717,19 @@
                 <a:ea typeface="+mn-ea"/>
                 <a:cs typeface="+mn-cs"/>
               </a:rPr>
-              <a:t>调整数据</a:t>
+              <a:t>数据集</a:t>
+            </a:r>
+            <a:r>
+              <a:rPr lang="en-US" altLang="zh-CN" sz="1200" kern="1200" dirty="0">
+                <a:solidFill>
+                  <a:schemeClr val="tx1"/>
+                </a:solidFill>
+                <a:effectLst/>
+                <a:latin typeface="+mn-lt"/>
+                <a:ea typeface="+mn-ea"/>
+                <a:cs typeface="+mn-cs"/>
+              </a:rPr>
+              <a:t> </a:t>
             </a:r>
             <a:r>
               <a:rPr lang="zh-CN" altLang="en-US" sz="1200" kern="1200" dirty="0">
@@ -2804,10 +2741,10 @@
                 <a:ea typeface="+mn-ea"/>
                 <a:cs typeface="+mn-cs"/>
               </a:rPr>
-              <a:t>集 </a:t>
-            </a:r>
-            <a:r>
-              <a:rPr lang="zh-CN" altLang="en-US" sz="1200" kern="1200" dirty="0" smtClean="0">
+              <a:t>来</a:t>
+            </a:r>
+            <a:r>
+              <a:rPr lang="zh-CN" altLang="zh-CN" sz="1200" kern="1200" dirty="0">
                 <a:solidFill>
                   <a:schemeClr val="tx1"/>
                 </a:solidFill>
@@ -2816,7 +2753,43 @@
                 <a:ea typeface="+mn-ea"/>
                 <a:cs typeface="+mn-cs"/>
               </a:rPr>
-              <a:t>利用</a:t>
+              <a:t>验证模型有效性</a:t>
+            </a:r>
+            <a:r>
+              <a:rPr lang="zh-CN" altLang="en-US" sz="1200" kern="1200" baseline="0" dirty="0">
+                <a:solidFill>
+                  <a:schemeClr val="tx1"/>
+                </a:solidFill>
+                <a:effectLst/>
+                <a:latin typeface="+mn-lt"/>
+                <a:ea typeface="+mn-ea"/>
+                <a:cs typeface="+mn-cs"/>
+              </a:rPr>
+              <a:t> 在</a:t>
+            </a:r>
+            <a:r>
+              <a:rPr lang="en-US" altLang="zh-CN" sz="1200" kern="1200" dirty="0" err="1">
+                <a:solidFill>
+                  <a:schemeClr val="tx1"/>
+                </a:solidFill>
+                <a:effectLst/>
+                <a:latin typeface="+mn-lt"/>
+                <a:ea typeface="+mn-ea"/>
+                <a:cs typeface="+mn-cs"/>
+              </a:rPr>
+              <a:t>MovieLens</a:t>
+            </a:r>
+            <a:r>
+              <a:rPr lang="zh-CN" altLang="en-US" sz="1200" kern="1200" dirty="0">
+                <a:solidFill>
+                  <a:schemeClr val="tx1"/>
+                </a:solidFill>
+                <a:effectLst/>
+                <a:latin typeface="+mn-lt"/>
+                <a:ea typeface="+mn-ea"/>
+                <a:cs typeface="+mn-cs"/>
+              </a:rPr>
+              <a:t>中</a:t>
             </a:r>
             <a:r>
               <a:rPr lang="zh-CN" altLang="zh-CN" sz="1200" kern="1200" dirty="0">
@@ -2828,10 +2801,10 @@
                 <a:ea typeface="+mn-ea"/>
                 <a:cs typeface="+mn-cs"/>
               </a:rPr>
-              <a:t>公开的</a:t>
-            </a:r>
-            <a:r>
-              <a:rPr lang="en-US" altLang="zh-CN" sz="1200" kern="1200" dirty="0" err="1">
+              <a:t>除电影和用户</a:t>
+            </a:r>
+            <a:r>
+              <a:rPr lang="zh-CN" altLang="en-US" sz="1200" kern="1200" dirty="0">
                 <a:solidFill>
                   <a:schemeClr val="tx1"/>
                 </a:solidFill>
@@ -2840,7 +2813,7 @@
                 <a:ea typeface="+mn-ea"/>
                 <a:cs typeface="+mn-cs"/>
               </a:rPr>
-              <a:t>MovieLens</a:t>
+              <a:t>外 </a:t>
             </a:r>
             <a:r>
               <a:rPr lang="zh-CN" altLang="zh-CN" sz="1200" kern="1200" dirty="0">
@@ -2852,7 +2825,19 @@
                 <a:ea typeface="+mn-ea"/>
                 <a:cs typeface="+mn-cs"/>
               </a:rPr>
-              <a:t>和</a:t>
+              <a:t>还需导演和演员信息来学习</a:t>
+            </a:r>
+            <a:r>
+              <a:rPr lang="en-US" altLang="zh-CN" sz="1200" kern="1200" dirty="0">
+                <a:solidFill>
+                  <a:schemeClr val="tx1"/>
+                </a:solidFill>
+                <a:effectLst/>
+                <a:latin typeface="+mn-lt"/>
+                <a:ea typeface="+mn-ea"/>
+                <a:cs typeface="+mn-cs"/>
+              </a:rPr>
+              <a:t>aspect-level</a:t>
             </a:r>
             <a:r>
               <a:rPr lang="zh-CN" altLang="en-US" sz="1200" kern="1200" dirty="0">
@@ -2864,7 +2849,7 @@
                 <a:ea typeface="+mn-ea"/>
                 <a:cs typeface="+mn-cs"/>
               </a:rPr>
-              <a:t>亚马逊</a:t>
+              <a:t>的</a:t>
             </a:r>
             <a:r>
               <a:rPr lang="zh-CN" altLang="zh-CN" sz="1200" kern="1200" dirty="0">
@@ -2876,10 +2861,10 @@
                 <a:ea typeface="+mn-ea"/>
                 <a:cs typeface="+mn-cs"/>
               </a:rPr>
-              <a:t>数据</a:t>
-            </a:r>
-            <a:r>
-              <a:rPr lang="zh-CN" altLang="zh-CN" sz="1200" kern="1200" dirty="0" smtClean="0">
+              <a:t>节点表示</a:t>
+            </a:r>
+            <a:r>
+              <a:rPr lang="zh-CN" altLang="en-US" sz="1200" kern="1200" dirty="0">
                 <a:solidFill>
                   <a:schemeClr val="tx1"/>
                 </a:solidFill>
@@ -2888,10 +2873,10 @@
                 <a:ea typeface="+mn-ea"/>
                 <a:cs typeface="+mn-cs"/>
               </a:rPr>
-              <a:t>集</a:t>
-            </a:r>
-            <a:r>
-              <a:rPr lang="en-US" altLang="zh-CN" sz="1200" kern="1200" dirty="0" smtClean="0">
+              <a:t> 但是</a:t>
+            </a:r>
+            <a:r>
+              <a:rPr lang="zh-CN" altLang="zh-CN" sz="1200" kern="1200" dirty="0">
                 <a:solidFill>
                   <a:schemeClr val="tx1"/>
                 </a:solidFill>
@@ -2900,10 +2885,22 @@
                 <a:ea typeface="+mn-ea"/>
                 <a:cs typeface="+mn-cs"/>
               </a:rPr>
+              <a:t>这些信息不包含在原数据集中</a:t>
+            </a:r>
+            <a:r>
+              <a:rPr lang="zh-CN" altLang="en-US" sz="1200" kern="1200" dirty="0">
+                <a:solidFill>
+                  <a:schemeClr val="tx1"/>
+                </a:solidFill>
+                <a:effectLst/>
+                <a:latin typeface="+mn-lt"/>
+                <a:ea typeface="+mn-ea"/>
+                <a:cs typeface="+mn-cs"/>
+              </a:rPr>
               <a:t> </a:t>
             </a:r>
             <a:r>
-              <a:rPr lang="zh-CN" altLang="en-US" sz="1200" kern="1200" dirty="0" smtClean="0">
+              <a:rPr lang="zh-CN" altLang="zh-CN" sz="1200" kern="1200" dirty="0">
                 <a:solidFill>
                   <a:schemeClr val="tx1"/>
                 </a:solidFill>
@@ -2912,10 +2909,10 @@
                 <a:ea typeface="+mn-ea"/>
                 <a:cs typeface="+mn-cs"/>
               </a:rPr>
-              <a:t>来</a:t>
-            </a:r>
-            <a:r>
-              <a:rPr lang="zh-CN" altLang="zh-CN" sz="1200" kern="1200" dirty="0" smtClean="0">
+              <a:t>因此</a:t>
+            </a:r>
+            <a:r>
+              <a:rPr lang="zh-CN" altLang="en-US" sz="1200" kern="1200" dirty="0">
                 <a:solidFill>
                   <a:schemeClr val="tx1"/>
                 </a:solidFill>
@@ -2924,10 +2921,10 @@
                 <a:ea typeface="+mn-ea"/>
                 <a:cs typeface="+mn-cs"/>
               </a:rPr>
-              <a:t>验证模型有效性</a:t>
-            </a:r>
-            <a:r>
-              <a:rPr lang="zh-CN" altLang="en-US" sz="1200" kern="1200" baseline="0" dirty="0" smtClean="0">
+              <a:t> 我</a:t>
+            </a:r>
+            <a:r>
+              <a:rPr lang="zh-CN" altLang="zh-CN" sz="1200" kern="1200" dirty="0">
                 <a:solidFill>
                   <a:schemeClr val="tx1"/>
                 </a:solidFill>
@@ -2936,211 +2933,7 @@
                 <a:ea typeface="+mn-ea"/>
                 <a:cs typeface="+mn-cs"/>
               </a:rPr>
-              <a:t> 在</a:t>
-            </a:r>
-            <a:r>
-              <a:rPr lang="en-US" altLang="zh-CN" sz="1200" kern="1200" dirty="0" err="1" smtClean="0">
-                <a:solidFill>
-                  <a:schemeClr val="tx1"/>
-                </a:solidFill>
-                <a:effectLst/>
-                <a:latin typeface="+mn-lt"/>
-                <a:ea typeface="+mn-ea"/>
-                <a:cs typeface="+mn-cs"/>
-              </a:rPr>
-              <a:t>MovieLens</a:t>
-            </a:r>
-            <a:r>
-              <a:rPr lang="zh-CN" altLang="en-US" sz="1200" kern="1200" dirty="0">
-                <a:solidFill>
-                  <a:schemeClr val="tx1"/>
-                </a:solidFill>
-                <a:effectLst/>
-                <a:latin typeface="+mn-lt"/>
-                <a:ea typeface="+mn-ea"/>
-                <a:cs typeface="+mn-cs"/>
-              </a:rPr>
-              <a:t>中</a:t>
-            </a:r>
-            <a:r>
-              <a:rPr lang="zh-CN" altLang="zh-CN" sz="1200" kern="1200" dirty="0">
-                <a:solidFill>
-                  <a:schemeClr val="tx1"/>
-                </a:solidFill>
-                <a:effectLst/>
-                <a:latin typeface="+mn-lt"/>
-                <a:ea typeface="+mn-ea"/>
-                <a:cs typeface="+mn-cs"/>
-              </a:rPr>
-              <a:t>除电影和用户</a:t>
-            </a:r>
-            <a:r>
-              <a:rPr lang="zh-CN" altLang="en-US" sz="1200" kern="1200" dirty="0">
-                <a:solidFill>
-                  <a:schemeClr val="tx1"/>
-                </a:solidFill>
-                <a:effectLst/>
-                <a:latin typeface="+mn-lt"/>
-                <a:ea typeface="+mn-ea"/>
-                <a:cs typeface="+mn-cs"/>
-              </a:rPr>
-              <a:t>外 </a:t>
-            </a:r>
-            <a:r>
-              <a:rPr lang="zh-CN" altLang="zh-CN" sz="1200" kern="1200" dirty="0">
-                <a:solidFill>
-                  <a:schemeClr val="tx1"/>
-                </a:solidFill>
-                <a:effectLst/>
-                <a:latin typeface="+mn-lt"/>
-                <a:ea typeface="+mn-ea"/>
-                <a:cs typeface="+mn-cs"/>
-              </a:rPr>
-              <a:t>还需导演和演员信息来学习</a:t>
-            </a:r>
-            <a:r>
-              <a:rPr lang="en-US" altLang="zh-CN" sz="1200" kern="1200" dirty="0" smtClean="0">
-                <a:solidFill>
-                  <a:schemeClr val="tx1"/>
-                </a:solidFill>
-                <a:effectLst/>
-                <a:latin typeface="+mn-lt"/>
-                <a:ea typeface="+mn-ea"/>
-                <a:cs typeface="+mn-cs"/>
-              </a:rPr>
-              <a:t>aspect-level</a:t>
-            </a:r>
-            <a:r>
-              <a:rPr lang="zh-CN" altLang="en-US" sz="1200" kern="1200" dirty="0" smtClean="0">
-                <a:solidFill>
-                  <a:schemeClr val="tx1"/>
-                </a:solidFill>
-                <a:effectLst/>
-                <a:latin typeface="+mn-lt"/>
-                <a:ea typeface="+mn-ea"/>
-                <a:cs typeface="+mn-cs"/>
-              </a:rPr>
-              <a:t>的</a:t>
-            </a:r>
-            <a:r>
-              <a:rPr lang="zh-CN" altLang="zh-CN" sz="1200" kern="1200" dirty="0" smtClean="0">
-                <a:solidFill>
-                  <a:schemeClr val="tx1"/>
-                </a:solidFill>
-                <a:effectLst/>
-                <a:latin typeface="+mn-lt"/>
-                <a:ea typeface="+mn-ea"/>
-                <a:cs typeface="+mn-cs"/>
-              </a:rPr>
-              <a:t>节点</a:t>
-            </a:r>
-            <a:r>
-              <a:rPr lang="zh-CN" altLang="zh-CN" sz="1200" kern="1200" dirty="0">
-                <a:solidFill>
-                  <a:schemeClr val="tx1"/>
-                </a:solidFill>
-                <a:effectLst/>
-                <a:latin typeface="+mn-lt"/>
-                <a:ea typeface="+mn-ea"/>
-                <a:cs typeface="+mn-cs"/>
-              </a:rPr>
-              <a:t>表示</a:t>
-            </a:r>
-            <a:r>
-              <a:rPr lang="zh-CN" altLang="en-US" sz="1200" kern="1200" dirty="0">
-                <a:solidFill>
-                  <a:schemeClr val="tx1"/>
-                </a:solidFill>
-                <a:effectLst/>
-                <a:latin typeface="+mn-lt"/>
-                <a:ea typeface="+mn-ea"/>
-                <a:cs typeface="+mn-cs"/>
-              </a:rPr>
-              <a:t> 但是</a:t>
-            </a:r>
-            <a:r>
-              <a:rPr lang="zh-CN" altLang="zh-CN" sz="1200" kern="1200" dirty="0">
-                <a:solidFill>
-                  <a:schemeClr val="tx1"/>
-                </a:solidFill>
-                <a:effectLst/>
-                <a:latin typeface="+mn-lt"/>
-                <a:ea typeface="+mn-ea"/>
-                <a:cs typeface="+mn-cs"/>
-              </a:rPr>
-              <a:t>这些信息不包含在原数据集中</a:t>
-            </a:r>
-            <a:r>
-              <a:rPr lang="zh-CN" altLang="en-US" sz="1200" kern="1200" dirty="0">
-                <a:solidFill>
-                  <a:schemeClr val="tx1"/>
-                </a:solidFill>
-                <a:effectLst/>
-                <a:latin typeface="+mn-lt"/>
-                <a:ea typeface="+mn-ea"/>
-                <a:cs typeface="+mn-cs"/>
-              </a:rPr>
-              <a:t> </a:t>
-            </a:r>
-            <a:r>
-              <a:rPr lang="zh-CN" altLang="zh-CN" sz="1200" kern="1200" dirty="0">
-                <a:solidFill>
-                  <a:schemeClr val="tx1"/>
-                </a:solidFill>
-                <a:effectLst/>
-                <a:latin typeface="+mn-lt"/>
-                <a:ea typeface="+mn-ea"/>
-                <a:cs typeface="+mn-cs"/>
-              </a:rPr>
-              <a:t>因此</a:t>
-            </a:r>
-            <a:r>
-              <a:rPr lang="zh-CN" altLang="en-US" sz="1200" kern="1200" dirty="0">
-                <a:solidFill>
-                  <a:schemeClr val="tx1"/>
-                </a:solidFill>
-                <a:effectLst/>
-                <a:latin typeface="+mn-lt"/>
-                <a:ea typeface="+mn-ea"/>
-                <a:cs typeface="+mn-cs"/>
-              </a:rPr>
-              <a:t> </a:t>
-            </a:r>
-            <a:r>
-              <a:rPr lang="zh-CN" altLang="en-US" sz="1200" kern="1200" dirty="0" smtClean="0">
-                <a:solidFill>
-                  <a:schemeClr val="tx1"/>
-                </a:solidFill>
-                <a:effectLst/>
-                <a:latin typeface="+mn-lt"/>
-                <a:ea typeface="+mn-ea"/>
-                <a:cs typeface="+mn-cs"/>
-              </a:rPr>
-              <a:t>我</a:t>
-            </a:r>
-            <a:r>
-              <a:rPr lang="zh-CN" altLang="zh-CN" sz="1200" kern="1200" dirty="0" smtClean="0">
-                <a:solidFill>
-                  <a:schemeClr val="tx1"/>
-                </a:solidFill>
-                <a:effectLst/>
-                <a:latin typeface="+mn-lt"/>
-                <a:ea typeface="+mn-ea"/>
-                <a:cs typeface="+mn-cs"/>
-              </a:rPr>
-              <a:t>利用</a:t>
-            </a:r>
-            <a:r>
-              <a:rPr lang="zh-CN" altLang="zh-CN" sz="1200" kern="1200" dirty="0">
-                <a:solidFill>
-                  <a:schemeClr val="tx1"/>
-                </a:solidFill>
-                <a:effectLst/>
-                <a:latin typeface="+mn-lt"/>
-                <a:ea typeface="+mn-ea"/>
-                <a:cs typeface="+mn-cs"/>
-              </a:rPr>
-              <a:t>爬虫工具</a:t>
+              <a:t>利用爬虫工具</a:t>
             </a:r>
             <a:r>
               <a:rPr lang="zh-CN" altLang="en-US" sz="1200" kern="1200" dirty="0">
@@ -3336,7 +3129,7 @@
               <a:defRPr/>
             </a:pPr>
             <a:r>
-              <a:rPr lang="zh-CN" altLang="en-US" sz="1200" kern="1200" dirty="0" smtClean="0">
+              <a:rPr lang="zh-CN" altLang="en-US" sz="1200" kern="1200" dirty="0">
                 <a:solidFill>
                   <a:schemeClr val="tx1"/>
                 </a:solidFill>
@@ -3348,7 +3141,7 @@
               <a:t>其次 本工作采用</a:t>
             </a:r>
             <a:r>
-              <a:rPr lang="en-US" altLang="zh-CN" sz="1200" kern="1200" dirty="0" smtClean="0">
+              <a:rPr lang="en-US" altLang="zh-CN" sz="1200" kern="1200" dirty="0">
                 <a:solidFill>
                   <a:schemeClr val="tx1"/>
                 </a:solidFill>
@@ -3360,7 +3153,7 @@
               <a:t>leave-one-out</a:t>
             </a:r>
             <a:r>
-              <a:rPr lang="zh-CN" altLang="en-US" sz="1200" kern="1200" dirty="0" smtClean="0">
+              <a:rPr lang="zh-CN" altLang="en-US" sz="1200" kern="1200" dirty="0">
                 <a:solidFill>
                   <a:schemeClr val="tx1"/>
                 </a:solidFill>
@@ -3372,7 +3165,7 @@
               <a:t>法对模型性能进行评估</a:t>
             </a:r>
             <a:r>
-              <a:rPr lang="zh-CN" altLang="en-US" sz="1200" kern="1200" baseline="0" dirty="0" smtClean="0">
+              <a:rPr lang="zh-CN" altLang="en-US" sz="1200" kern="1200" baseline="0" dirty="0">
                 <a:solidFill>
                   <a:schemeClr val="tx1"/>
                 </a:solidFill>
@@ -3384,7 +3177,7 @@
               <a:t> </a:t>
             </a:r>
             <a:r>
-              <a:rPr lang="zh-CN" altLang="en-US" sz="1200" kern="1200" dirty="0" smtClean="0">
+              <a:rPr lang="zh-CN" altLang="en-US" sz="1200" kern="1200" dirty="0">
                 <a:solidFill>
                   <a:schemeClr val="tx1"/>
                 </a:solidFill>
@@ -3396,7 +3189,7 @@
               <a:t>具体地</a:t>
             </a:r>
             <a:r>
-              <a:rPr lang="zh-CN" altLang="en-US" sz="1200" kern="1200" baseline="0" dirty="0" smtClean="0">
+              <a:rPr lang="zh-CN" altLang="en-US" sz="1200" kern="1200" baseline="0" dirty="0">
                 <a:solidFill>
                   <a:schemeClr val="tx1"/>
                 </a:solidFill>
@@ -3408,7 +3201,7 @@
               <a:t> </a:t>
             </a:r>
             <a:r>
-              <a:rPr lang="zh-CN" altLang="en-US" sz="1200" kern="1200" dirty="0" smtClean="0">
+              <a:rPr lang="zh-CN" altLang="en-US" sz="1200" kern="1200" dirty="0">
                 <a:solidFill>
                   <a:schemeClr val="tx1"/>
                 </a:solidFill>
@@ -3420,7 +3213,7 @@
               <a:t>选择一个用户已评分的物品作为正样本</a:t>
             </a:r>
             <a:r>
-              <a:rPr lang="zh-CN" altLang="en-US" sz="1200" kern="1200" baseline="0" dirty="0" smtClean="0">
+              <a:rPr lang="zh-CN" altLang="en-US" sz="1200" kern="1200" baseline="0" dirty="0">
                 <a:solidFill>
                   <a:schemeClr val="tx1"/>
                 </a:solidFill>
@@ -3432,7 +3225,7 @@
               <a:t> </a:t>
             </a:r>
             <a:r>
-              <a:rPr lang="zh-CN" altLang="en-US" sz="1200" kern="1200" dirty="0" smtClean="0">
+              <a:rPr lang="zh-CN" altLang="en-US" sz="1200" kern="1200" dirty="0">
                 <a:solidFill>
                   <a:schemeClr val="tx1"/>
                 </a:solidFill>
@@ -3444,7 +3237,7 @@
               <a:t>随机选择</a:t>
             </a:r>
             <a:r>
-              <a:rPr lang="en-US" altLang="zh-CN" sz="1200" kern="1200" dirty="0" smtClean="0">
+              <a:rPr lang="en-US" altLang="zh-CN" sz="1200" kern="1200" dirty="0">
                 <a:solidFill>
                   <a:schemeClr val="tx1"/>
                 </a:solidFill>
@@ -3456,7 +3249,7 @@
               <a:t>99</a:t>
             </a:r>
             <a:r>
-              <a:rPr lang="zh-CN" altLang="en-US" sz="1200" kern="1200" dirty="0" smtClean="0">
+              <a:rPr lang="zh-CN" altLang="en-US" sz="1200" kern="1200" dirty="0">
                 <a:solidFill>
                   <a:schemeClr val="tx1"/>
                 </a:solidFill>
@@ -3468,7 +3261,7 @@
               <a:t>个未被该用户评分的物品作为负样本</a:t>
             </a:r>
             <a:r>
-              <a:rPr lang="zh-CN" altLang="en-US" sz="1200" kern="1200" baseline="0" dirty="0" smtClean="0">
+              <a:rPr lang="zh-CN" altLang="en-US" sz="1200" kern="1200" baseline="0" dirty="0">
                 <a:solidFill>
                   <a:schemeClr val="tx1"/>
                 </a:solidFill>
@@ -3480,7 +3273,7 @@
               <a:t> </a:t>
             </a:r>
             <a:r>
-              <a:rPr lang="zh-CN" altLang="en-US" sz="1200" kern="1200" dirty="0" smtClean="0">
+              <a:rPr lang="zh-CN" altLang="en-US" sz="1200" kern="1200" dirty="0">
                 <a:solidFill>
                   <a:schemeClr val="tx1"/>
                 </a:solidFill>
@@ -3492,7 +3285,7 @@
               <a:t>对于该用户而言</a:t>
             </a:r>
             <a:r>
-              <a:rPr lang="zh-CN" altLang="en-US" sz="1200" kern="1200" baseline="0" dirty="0" smtClean="0">
+              <a:rPr lang="zh-CN" altLang="en-US" sz="1200" kern="1200" baseline="0" dirty="0">
                 <a:solidFill>
                   <a:schemeClr val="tx1"/>
                 </a:solidFill>
@@ -3504,7 +3297,7 @@
               <a:t> </a:t>
             </a:r>
             <a:r>
-              <a:rPr lang="zh-CN" altLang="en-US" sz="1200" kern="1200" dirty="0" smtClean="0">
+              <a:rPr lang="zh-CN" altLang="en-US" sz="1200" kern="1200" dirty="0">
                 <a:solidFill>
                   <a:schemeClr val="tx1"/>
                 </a:solidFill>
@@ -3516,7 +3309,7 @@
               <a:t>模型将对此</a:t>
             </a:r>
             <a:r>
-              <a:rPr lang="en-US" altLang="zh-CN" sz="1200" kern="1200" dirty="0" smtClean="0">
+              <a:rPr lang="en-US" altLang="zh-CN" sz="1200" kern="1200" dirty="0">
                 <a:solidFill>
                   <a:schemeClr val="tx1"/>
                 </a:solidFill>
@@ -3528,7 +3321,7 @@
               <a:t>100</a:t>
             </a:r>
             <a:r>
-              <a:rPr lang="zh-CN" altLang="en-US" sz="1200" kern="1200" dirty="0" smtClean="0">
+              <a:rPr lang="zh-CN" altLang="en-US" sz="1200" kern="1200" dirty="0">
                 <a:solidFill>
                   <a:schemeClr val="tx1"/>
                 </a:solidFill>
@@ -3540,7 +3333,7 @@
               <a:t>个物品进行排序</a:t>
             </a:r>
             <a:r>
-              <a:rPr lang="zh-CN" altLang="en-US" sz="1200" kern="1200" baseline="0" dirty="0" smtClean="0">
+              <a:rPr lang="zh-CN" altLang="en-US" sz="1200" kern="1200" baseline="0" dirty="0">
                 <a:solidFill>
                   <a:schemeClr val="tx1"/>
                 </a:solidFill>
@@ -3552,7 +3345,7 @@
               <a:t> </a:t>
             </a:r>
             <a:r>
-              <a:rPr lang="zh-CN" altLang="en-US" sz="1200" kern="1200" dirty="0" smtClean="0">
+              <a:rPr lang="zh-CN" altLang="en-US" sz="1200" kern="1200" dirty="0">
                 <a:solidFill>
                   <a:schemeClr val="tx1"/>
                 </a:solidFill>
@@ -3563,7 +3356,7 @@
               </a:rPr>
               <a:t>产生相应的推荐列表</a:t>
             </a:r>
-            <a:endParaRPr lang="en-US" altLang="zh-CN" sz="1200" kern="1200" dirty="0" smtClean="0">
+            <a:endParaRPr lang="en-US" altLang="zh-CN" sz="1200" kern="1200" dirty="0">
               <a:solidFill>
                 <a:schemeClr val="tx1"/>
               </a:solidFill>
@@ -3592,7 +3385,7 @@
               <a:defRPr/>
             </a:pPr>
             <a:r>
-              <a:rPr lang="zh-CN" altLang="en-US" sz="1200" kern="1200" dirty="0" smtClean="0">
+              <a:rPr lang="zh-CN" altLang="en-US" sz="1200" kern="1200" dirty="0">
                 <a:solidFill>
                   <a:schemeClr val="tx1"/>
                 </a:solidFill>
@@ -3604,7 +3397,7 @@
               <a:t>具体评价指标是命中率</a:t>
             </a:r>
             <a:r>
-              <a:rPr lang="en-US" altLang="zh-CN" sz="1200" kern="1200" dirty="0" smtClean="0">
+              <a:rPr lang="en-US" altLang="zh-CN" sz="1200" kern="1200" dirty="0">
                 <a:solidFill>
                   <a:schemeClr val="tx1"/>
                 </a:solidFill>
@@ -3616,7 +3409,7 @@
               <a:t>HR</a:t>
             </a:r>
             <a:r>
-              <a:rPr lang="zh-CN" altLang="en-US" sz="1200" kern="1200" dirty="0" smtClean="0">
+              <a:rPr lang="zh-CN" altLang="en-US" sz="1200" kern="1200" dirty="0">
                 <a:solidFill>
                   <a:schemeClr val="tx1"/>
                 </a:solidFill>
@@ -3628,7 +3421,7 @@
               <a:t>和</a:t>
             </a:r>
             <a:r>
-              <a:rPr lang="zh-CN" altLang="en-US" sz="1200" b="0" i="0" u="none" strike="noStrike" kern="1200" baseline="0" dirty="0" smtClean="0">
+              <a:rPr lang="zh-CN" altLang="en-US" sz="1200" b="0" i="0" u="none" strike="noStrike" kern="1200" baseline="0" dirty="0">
                 <a:solidFill>
                   <a:schemeClr val="tx1"/>
                 </a:solidFill>
@@ -3639,7 +3432,7 @@
               <a:t>归一化折损累计增益</a:t>
             </a:r>
             <a:r>
-              <a:rPr lang="en-US" altLang="zh-CN" sz="1200" kern="1200" dirty="0" smtClean="0">
+              <a:rPr lang="en-US" altLang="zh-CN" sz="1200" kern="1200" dirty="0">
                 <a:solidFill>
                   <a:schemeClr val="tx1"/>
                 </a:solidFill>
@@ -3648,10 +3441,10 @@
                 <a:ea typeface="+mn-ea"/>
                 <a:cs typeface="+mn-cs"/>
               </a:rPr>
-              <a:t>NDCG </a:t>
-            </a:r>
-            <a:r>
-              <a:rPr lang="en-US" altLang="zh-CN" sz="1200" kern="1200" dirty="0" err="1" smtClean="0">
+              <a:t>NDCG NDCG</a:t>
+            </a:r>
+            <a:r>
+              <a:rPr lang="zh-CN" altLang="en-US" sz="1200" kern="1200" dirty="0">
                 <a:solidFill>
                   <a:schemeClr val="tx1"/>
                 </a:solidFill>
@@ -3660,19 +3453,7 @@
                 <a:ea typeface="+mn-ea"/>
                 <a:cs typeface="+mn-cs"/>
               </a:rPr>
-              <a:t>NDCG</a:t>
-            </a:r>
-            <a:r>
-              <a:rPr lang="zh-CN" altLang="en-US" sz="1200" kern="1200" dirty="0" smtClean="0">
-                <a:solidFill>
-                  <a:schemeClr val="tx1"/>
-                </a:solidFill>
-                <a:effectLst/>
-                <a:latin typeface="+mn-lt"/>
-                <a:ea typeface="+mn-ea"/>
-                <a:cs typeface="+mn-cs"/>
-              </a:rPr>
-              <a:t>更为强调排序的准确性</a:t>
+              <a:t>更强调排序的准确性</a:t>
             </a:r>
             <a:endParaRPr lang="zh-CN" altLang="zh-CN" sz="1200" kern="1200" dirty="0">
               <a:solidFill>
@@ -3767,7 +3548,7 @@
           <a:lstStyle/>
           <a:p>
             <a:r>
-              <a:rPr lang="zh-CN" altLang="en-US" sz="1200" b="0" i="0" u="none" strike="noStrike" kern="1200" baseline="0" dirty="0" smtClean="0">
+              <a:rPr lang="zh-CN" altLang="en-US" sz="1200" b="0" i="0" u="none" strike="noStrike" kern="1200" baseline="0" dirty="0">
                 <a:solidFill>
                   <a:schemeClr val="tx1"/>
                 </a:solidFill>
@@ -3778,7 +3559,7 @@
               <a:t>本工作共利用</a:t>
             </a:r>
             <a:r>
-              <a:rPr lang="x-none" altLang="zh-CN" sz="1200" b="0" i="0" u="none" strike="noStrike" kern="1200" baseline="0" dirty="0" smtClean="0">
+              <a:rPr lang="x-none" altLang="zh-CN" sz="1200" b="0" i="0" u="none" strike="noStrike" kern="1200" baseline="0">
                 <a:solidFill>
                   <a:schemeClr val="tx1"/>
                 </a:solidFill>
@@ -3789,18 +3570,40 @@
               <a:t>8</a:t>
             </a:r>
             <a:r>
-              <a:rPr lang="zh-CN" altLang="en-US" sz="1200" b="0" i="0" u="none" strike="noStrike" kern="1200" baseline="0" dirty="0" smtClean="0">
-                <a:solidFill>
-                  <a:schemeClr val="tx1"/>
-                </a:solidFill>
-                <a:latin typeface="+mn-lt"/>
-                <a:ea typeface="+mn-ea"/>
-                <a:cs typeface="+mn-cs"/>
-              </a:rPr>
-              <a:t>个基线进行对比实验 包括基础模型</a:t>
-            </a:r>
-            <a:r>
-              <a:rPr lang="en-US" altLang="zh-CN" sz="1200" b="0" i="0" u="none" strike="noStrike" kern="1200" baseline="0" dirty="0" err="1" smtClean="0">
+              <a:rPr lang="zh-CN" altLang="en-US" sz="1200" b="0" i="0" u="none" strike="noStrike" kern="1200" baseline="0" dirty="0">
+                <a:solidFill>
+                  <a:schemeClr val="tx1"/>
+                </a:solidFill>
+                <a:latin typeface="+mn-lt"/>
+                <a:ea typeface="+mn-ea"/>
+                <a:cs typeface="+mn-cs"/>
+              </a:rPr>
+              <a:t>个</a:t>
+            </a:r>
+            <a:r>
+              <a:rPr lang="en-US" altLang="zh-CN" sz="1200" b="0" i="0" u="none" strike="noStrike" kern="1200" baseline="0" dirty="0">
+                <a:solidFill>
+                  <a:schemeClr val="tx1"/>
+                </a:solidFill>
+                <a:latin typeface="+mn-lt"/>
+                <a:ea typeface="+mn-ea"/>
+                <a:cs typeface="+mn-cs"/>
+              </a:rPr>
+              <a:t>baseline</a:t>
+            </a:r>
+            <a:r>
+              <a:rPr lang="zh-CN" altLang="en-US" sz="1200" b="0" i="0" u="none" strike="noStrike" kern="1200" baseline="0" dirty="0">
+                <a:solidFill>
+                  <a:schemeClr val="tx1"/>
+                </a:solidFill>
+                <a:latin typeface="+mn-lt"/>
+                <a:ea typeface="+mn-ea"/>
+                <a:cs typeface="+mn-cs"/>
+              </a:rPr>
+              <a:t>进行对比实验 包括基础模型</a:t>
+            </a:r>
+            <a:r>
+              <a:rPr lang="en-US" altLang="zh-CN" sz="1200" b="0" i="0" u="none" strike="noStrike" kern="1200" baseline="0" dirty="0" err="1">
                 <a:solidFill>
                   <a:schemeClr val="tx1"/>
                 </a:solidFill>
@@ -3811,7 +3614,7 @@
               <a:t>NeuACF</a:t>
             </a:r>
             <a:r>
-              <a:rPr lang="zh-CN" altLang="en-US" sz="1200" b="0" i="0" u="none" strike="noStrike" kern="1200" baseline="0" dirty="0" smtClean="0">
+              <a:rPr lang="zh-CN" altLang="en-US" sz="1200" b="0" i="0" u="none" strike="noStrike" kern="1200" baseline="0" dirty="0">
                 <a:solidFill>
                   <a:schemeClr val="tx1"/>
                 </a:solidFill>
@@ -3822,7 +3625,7 @@
               <a:t> 两个基本方法 两个矩阵分解方法 一个基于</a:t>
             </a:r>
             <a:r>
-              <a:rPr lang="en-US" altLang="zh-CN" sz="1200" b="0" i="0" u="none" strike="noStrike" kern="1200" baseline="0" dirty="0" smtClean="0">
+              <a:rPr lang="en-US" altLang="zh-CN" sz="1200" b="0" i="0" u="none" strike="noStrike" kern="1200" baseline="0" dirty="0">
                 <a:solidFill>
                   <a:schemeClr val="tx1"/>
                 </a:solidFill>
@@ -3833,7 +3636,7 @@
               <a:t>pair-wise</a:t>
             </a:r>
             <a:r>
-              <a:rPr lang="zh-CN" altLang="en-US" sz="1200" b="0" i="0" u="none" strike="noStrike" kern="1200" baseline="0" dirty="0" smtClean="0">
+              <a:rPr lang="zh-CN" altLang="en-US" sz="1200" b="0" i="0" u="none" strike="noStrike" kern="1200" baseline="0" dirty="0">
                 <a:solidFill>
                   <a:schemeClr val="tx1"/>
                 </a:solidFill>
@@ -3843,7 +3646,7 @@
               </a:rPr>
               <a:t>损失函数的排序方法 和两个基于神经网络的方法</a:t>
             </a:r>
-            <a:endParaRPr lang="en-US" altLang="zh-CN" sz="1200" b="0" i="0" u="none" strike="noStrike" kern="1200" baseline="0" dirty="0" smtClean="0">
+            <a:endParaRPr lang="en-US" altLang="zh-CN" sz="1200" b="0" i="0" u="none" strike="noStrike" kern="1200" baseline="0" dirty="0">
               <a:solidFill>
                 <a:schemeClr val="tx1"/>
               </a:solidFill>
@@ -3952,7 +3755,7 @@
               <a:defRPr/>
             </a:pPr>
             <a:r>
-              <a:rPr lang="zh-CN" altLang="en-US" sz="1200" kern="1200" dirty="0" smtClean="0">
+              <a:rPr lang="zh-CN" altLang="en-US" sz="1200" kern="1200" dirty="0">
                 <a:solidFill>
                   <a:schemeClr val="tx1"/>
                 </a:solidFill>
@@ -3964,7 +3767,7 @@
               <a:t>第一个实验 也就是最关键的实验 </a:t>
             </a:r>
             <a:r>
-              <a:rPr lang="zh-CN" altLang="en-US" sz="1200" b="0" i="0" u="none" strike="noStrike" kern="1200" baseline="0" dirty="0" smtClean="0">
+              <a:rPr lang="zh-CN" altLang="en-US" sz="1200" b="0" i="0" u="none" strike="noStrike" kern="1200" baseline="0" dirty="0">
                 <a:solidFill>
                   <a:schemeClr val="tx1"/>
                 </a:solidFill>
@@ -3974,7 +3777,7 @@
               </a:rPr>
               <a:t>推荐性能分析 </a:t>
             </a:r>
-            <a:endParaRPr lang="en-US" altLang="zh-CN" sz="1200" b="0" i="0" u="none" strike="noStrike" kern="1200" baseline="0" dirty="0" smtClean="0">
+            <a:endParaRPr lang="en-US" altLang="zh-CN" sz="1200" b="0" i="0" u="none" strike="noStrike" kern="1200" baseline="0" dirty="0">
               <a:solidFill>
                 <a:schemeClr val="tx1"/>
               </a:solidFill>
@@ -3985,7 +3788,7 @@
           </a:p>
           <a:p>
             <a:r>
-              <a:rPr lang="zh-CN" altLang="en-US" sz="1200" b="0" i="0" u="none" strike="noStrike" kern="1200" baseline="0" dirty="0" smtClean="0">
+              <a:rPr lang="zh-CN" altLang="en-US" sz="1200" b="0" i="0" u="none" strike="noStrike" kern="1200" baseline="0" dirty="0">
                 <a:solidFill>
                   <a:schemeClr val="tx1"/>
                 </a:solidFill>
@@ -3996,7 +3799,7 @@
               <a:t>峰值性能用粗体标出 可以看出 </a:t>
             </a:r>
             <a:r>
-              <a:rPr lang="en-US" altLang="zh-CN" sz="1200" b="0" i="0" u="none" strike="noStrike" kern="1200" baseline="0" dirty="0" smtClean="0">
+              <a:rPr lang="en-US" altLang="zh-CN" sz="1200" b="0" i="0" u="none" strike="noStrike" kern="1200" baseline="0" dirty="0">
                 <a:solidFill>
                   <a:schemeClr val="tx1"/>
                 </a:solidFill>
@@ -4007,7 +3810,7 @@
               <a:t>ACFML</a:t>
             </a:r>
             <a:r>
-              <a:rPr lang="zh-CN" altLang="en-US" sz="1200" b="0" i="0" u="none" strike="noStrike" kern="1200" baseline="0" dirty="0" smtClean="0">
+              <a:rPr lang="zh-CN" altLang="en-US" sz="1200" b="0" i="0" u="none" strike="noStrike" kern="1200" baseline="0" dirty="0">
                 <a:solidFill>
                   <a:schemeClr val="tx1"/>
                 </a:solidFill>
@@ -4018,7 +3821,7 @@
               <a:t>并非在所有数据集和指标上都能达到最佳性能 具体地 </a:t>
             </a:r>
             <a:r>
-              <a:rPr lang="en-US" altLang="zh-CN" sz="1200" b="0" i="0" u="none" strike="noStrike" kern="1200" baseline="0" dirty="0" smtClean="0">
+              <a:rPr lang="en-US" altLang="zh-CN" sz="1200" b="0" i="0" u="none" strike="noStrike" kern="1200" baseline="0" dirty="0">
                 <a:solidFill>
                   <a:schemeClr val="tx1"/>
                 </a:solidFill>
@@ -4029,7 +3832,7 @@
               <a:t>ML100K </a:t>
             </a:r>
             <a:r>
-              <a:rPr lang="zh-CN" altLang="en-US" sz="1200" b="0" i="0" u="none" strike="noStrike" kern="1200" baseline="0" dirty="0" smtClean="0">
+              <a:rPr lang="zh-CN" altLang="en-US" sz="1200" b="0" i="0" u="none" strike="noStrike" kern="1200" baseline="0" dirty="0">
                 <a:solidFill>
                   <a:schemeClr val="tx1"/>
                 </a:solidFill>
@@ -4040,18 +3843,18 @@
               <a:t>数据集更加稠密 评分信息较多 </a:t>
             </a:r>
             <a:r>
-              <a:rPr lang="en-US" altLang="zh-CN" sz="1200" b="0" i="0" u="none" strike="noStrike" kern="1200" baseline="0" dirty="0" smtClean="0">
-                <a:solidFill>
-                  <a:schemeClr val="tx1"/>
-                </a:solidFill>
-                <a:latin typeface="+mn-lt"/>
-                <a:ea typeface="+mn-ea"/>
-                <a:cs typeface="+mn-cs"/>
-              </a:rPr>
-              <a:t>baselines </a:t>
-            </a:r>
-            <a:r>
-              <a:rPr lang="zh-CN" altLang="en-US" sz="1200" b="0" i="0" u="none" strike="noStrike" kern="1200" baseline="0" dirty="0" smtClean="0">
+              <a:rPr lang="en-US" altLang="zh-CN" sz="1200" b="0" i="0" u="none" strike="noStrike" kern="1200" baseline="0" dirty="0">
+                <a:solidFill>
+                  <a:schemeClr val="tx1"/>
+                </a:solidFill>
+                <a:latin typeface="+mn-lt"/>
+                <a:ea typeface="+mn-ea"/>
+                <a:cs typeface="+mn-cs"/>
+              </a:rPr>
+              <a:t>baselines</a:t>
+            </a:r>
+            <a:r>
+              <a:rPr lang="zh-CN" altLang="en-US" sz="1200" b="0" i="0" u="none" strike="noStrike" kern="1200" baseline="0" dirty="0">
                 <a:solidFill>
                   <a:schemeClr val="tx1"/>
                 </a:solidFill>
@@ -4061,7 +3864,7 @@
               </a:rPr>
               <a:t>中基于评分信息的方法都有较好的表现 </a:t>
             </a:r>
-            <a:endParaRPr lang="en-US" altLang="zh-CN" sz="1200" b="0" i="0" u="none" strike="noStrike" kern="1200" baseline="0" dirty="0" smtClean="0">
+            <a:endParaRPr lang="en-US" altLang="zh-CN" sz="1200" b="0" i="0" u="none" strike="noStrike" kern="1200" baseline="0" dirty="0">
               <a:solidFill>
                 <a:schemeClr val="tx1"/>
               </a:solidFill>
@@ -4072,7 +3875,7 @@
           </a:p>
           <a:p>
             <a:r>
-              <a:rPr lang="zh-CN" altLang="en-US" sz="1200" b="0" i="0" u="none" strike="noStrike" kern="1200" baseline="0" dirty="0" smtClean="0">
+              <a:rPr lang="zh-CN" altLang="en-US" sz="1200" b="0" i="0" u="none" strike="noStrike" kern="1200" baseline="0" dirty="0">
                 <a:solidFill>
                   <a:schemeClr val="tx1"/>
                 </a:solidFill>
@@ -4083,7 +3886,7 @@
               <a:t>而对于</a:t>
             </a:r>
             <a:r>
-              <a:rPr lang="en-US" altLang="zh-CN" sz="1200" b="0" i="0" u="none" strike="noStrike" kern="1200" baseline="0" dirty="0" smtClean="0">
+              <a:rPr lang="en-US" altLang="zh-CN" sz="1200" b="0" i="0" u="none" strike="noStrike" kern="1200" baseline="0" dirty="0">
                 <a:solidFill>
                   <a:schemeClr val="tx1"/>
                 </a:solidFill>
@@ -4094,7 +3897,7 @@
               <a:t>Amazon </a:t>
             </a:r>
             <a:r>
-              <a:rPr lang="zh-CN" altLang="en-US" sz="1200" b="0" i="0" u="none" strike="noStrike" kern="1200" baseline="0" dirty="0" smtClean="0">
+              <a:rPr lang="zh-CN" altLang="en-US" sz="1200" b="0" i="0" u="none" strike="noStrike" kern="1200" baseline="0" dirty="0">
                 <a:solidFill>
                   <a:schemeClr val="tx1"/>
                 </a:solidFill>
@@ -4105,7 +3908,7 @@
               <a:t>数据集而言 数据较稀疏 在这种情况下 </a:t>
             </a:r>
             <a:r>
-              <a:rPr lang="en-US" altLang="zh-CN" sz="1200" b="0" i="0" u="none" strike="noStrike" kern="1200" baseline="0" dirty="0" smtClean="0">
+              <a:rPr lang="en-US" altLang="zh-CN" sz="1200" b="0" i="0" u="none" strike="noStrike" kern="1200" baseline="0" dirty="0">
                 <a:solidFill>
                   <a:schemeClr val="tx1"/>
                 </a:solidFill>
@@ -4116,7 +3919,7 @@
               <a:t>ACFML</a:t>
             </a:r>
             <a:r>
-              <a:rPr lang="zh-CN" altLang="en-US" sz="1200" b="0" i="0" u="none" strike="noStrike" kern="1200" baseline="0" dirty="0" smtClean="0">
+              <a:rPr lang="zh-CN" altLang="en-US" sz="1200" b="0" i="0" u="none" strike="noStrike" kern="1200" baseline="0" dirty="0">
                 <a:solidFill>
                   <a:schemeClr val="tx1"/>
                 </a:solidFill>
@@ -4127,7 +3930,7 @@
               <a:t>基于欧几里得距离的度量指标就凸显了相应作用 不仅刻画了显式的用户</a:t>
             </a:r>
             <a:r>
-              <a:rPr lang="x-none" altLang="zh-CN" sz="1200" b="0" i="0" u="none" strike="noStrike" kern="1200" baseline="0" dirty="0" smtClean="0">
+              <a:rPr lang="x-none" altLang="zh-CN" sz="1200" b="0" i="0" u="none" strike="noStrike" kern="1200" baseline="0" dirty="0">
                 <a:solidFill>
                   <a:schemeClr val="tx1"/>
                 </a:solidFill>
@@ -4138,7 +3941,7 @@
               <a:t>-</a:t>
             </a:r>
             <a:r>
-              <a:rPr lang="zh-CN" altLang="en-US" sz="1200" b="0" i="0" u="none" strike="noStrike" kern="1200" baseline="0" dirty="0" smtClean="0">
+              <a:rPr lang="zh-CN" altLang="en-US" sz="1200" b="0" i="0" u="none" strike="noStrike" kern="1200" baseline="0" dirty="0">
                 <a:solidFill>
                   <a:schemeClr val="tx1"/>
                 </a:solidFill>
@@ -4149,7 +3952,7 @@
               <a:t>物品间关系 也捕捉了隐含的更细粒度的用户</a:t>
             </a:r>
             <a:r>
-              <a:rPr lang="x-none" altLang="zh-CN" sz="1200" b="0" i="0" u="none" strike="noStrike" kern="1200" baseline="0" dirty="0" smtClean="0">
+              <a:rPr lang="x-none" altLang="zh-CN" sz="1200" b="0" i="0" u="none" strike="noStrike" kern="1200" baseline="0" dirty="0">
                 <a:solidFill>
                   <a:schemeClr val="tx1"/>
                 </a:solidFill>
@@ -4160,7 +3963,7 @@
               <a:t>-</a:t>
             </a:r>
             <a:r>
-              <a:rPr lang="zh-CN" altLang="en-US" sz="1200" b="0" i="0" u="none" strike="noStrike" kern="1200" baseline="0" dirty="0" smtClean="0">
+              <a:rPr lang="zh-CN" altLang="en-US" sz="1200" b="0" i="0" u="none" strike="noStrike" kern="1200" baseline="0" dirty="0">
                 <a:solidFill>
                   <a:schemeClr val="tx1"/>
                 </a:solidFill>
@@ -4171,7 +3974,7 @@
               <a:t>用户和物品</a:t>
             </a:r>
             <a:r>
-              <a:rPr lang="x-none" altLang="zh-CN" sz="1200" b="0" i="0" u="none" strike="noStrike" kern="1200" baseline="0" dirty="0" smtClean="0">
+              <a:rPr lang="x-none" altLang="zh-CN" sz="1200" b="0" i="0" u="none" strike="noStrike" kern="1200" baseline="0" dirty="0">
                 <a:solidFill>
                   <a:schemeClr val="tx1"/>
                 </a:solidFill>
@@ -4182,7 +3985,7 @@
               <a:t>-</a:t>
             </a:r>
             <a:r>
-              <a:rPr lang="zh-CN" altLang="en-US" sz="1200" b="0" i="0" u="none" strike="noStrike" kern="1200" baseline="0" dirty="0" smtClean="0">
+              <a:rPr lang="zh-CN" altLang="en-US" sz="1200" b="0" i="0" u="none" strike="noStrike" kern="1200" baseline="0" dirty="0">
                 <a:solidFill>
                   <a:schemeClr val="tx1"/>
                 </a:solidFill>
@@ -4192,7 +3995,7 @@
               </a:rPr>
               <a:t>物品相似性 从而有效缓解了数据稀疏问题</a:t>
             </a:r>
-            <a:endParaRPr lang="x-none" altLang="zh-CN" sz="1200" b="0" i="0" u="none" strike="noStrike" kern="1200" baseline="0" dirty="0" smtClean="0">
+            <a:endParaRPr lang="x-none" altLang="zh-CN" sz="1200" b="0" i="0" u="none" strike="noStrike" kern="1200" baseline="0" dirty="0">
               <a:solidFill>
                 <a:schemeClr val="tx1"/>
               </a:solidFill>
@@ -4312,45 +4115,16 @@
           <a:lstStyle/>
           <a:p>
             <a:r>
-              <a:rPr lang="zh-CN" altLang="en-US" dirty="0" smtClean="0"/>
-              <a:t>我的汇报分为四个模块 首先</a:t>
-            </a:r>
-            <a:r>
               <a:rPr lang="zh-CN" altLang="en-US" dirty="0"/>
-              <a:t>介绍选题背景 </a:t>
-            </a:r>
-            <a:r>
-              <a:rPr lang="zh-CN" altLang="en-US" dirty="0" smtClean="0"/>
-              <a:t>其次说明</a:t>
-            </a:r>
+              <a:t>我的汇报分为四个部分 首先介绍选题背景 其次说明所提的模型及相应的实验结果 最后总结毕设工作并展望未来的研究方向 </a:t>
+            </a:r>
+            <a:endParaRPr lang="en-US" altLang="zh-CN" dirty="0"/>
+          </a:p>
+          <a:p>
             <a:r>
               <a:rPr lang="zh-CN" altLang="en-US" dirty="0"/>
-              <a:t>所</a:t>
-            </a:r>
-            <a:r>
-              <a:rPr lang="zh-CN" altLang="en-US" dirty="0" smtClean="0"/>
-              <a:t>提的</a:t>
-            </a:r>
-            <a:r>
-              <a:rPr lang="zh-CN" altLang="en-US" dirty="0"/>
-              <a:t>模型</a:t>
-            </a:r>
-            <a:r>
-              <a:rPr lang="en-US" altLang="zh-CN" dirty="0" smtClean="0"/>
-              <a:t>ACFML</a:t>
-            </a:r>
-            <a:r>
-              <a:rPr lang="zh-CN" altLang="en-US" dirty="0" smtClean="0"/>
-              <a:t>及相应的实验效果 最后总结工作并展望未来的研究方向 </a:t>
-            </a:r>
-            <a:endParaRPr lang="en-US" altLang="zh-CN" dirty="0" smtClean="0"/>
-          </a:p>
-          <a:p>
-            <a:r>
-              <a:rPr lang="zh-CN" altLang="en-US" dirty="0" smtClean="0"/>
-              <a:t>先从选题背景开始</a:t>
-            </a:r>
-            <a:endParaRPr lang="zh-CN" altLang="en-US" dirty="0"/>
+              <a:t>我们先从选题背景开始</a:t>
+            </a:r>
           </a:p>
         </p:txBody>
       </p:sp>
@@ -4452,7 +4226,7 @@
               <a:defRPr/>
             </a:pPr>
             <a:r>
-              <a:rPr lang="zh-CN" altLang="en-US" sz="1200" kern="1200" dirty="0" smtClean="0">
+              <a:rPr lang="zh-CN" altLang="en-US" sz="1200" kern="1200" dirty="0">
                 <a:solidFill>
                   <a:schemeClr val="tx1"/>
                 </a:solidFill>
@@ -4464,7 +4238,7 @@
               <a:t>除了推荐实验 针对</a:t>
             </a:r>
             <a:r>
-              <a:rPr lang="en-US" altLang="zh-CN" sz="1200" kern="1200" dirty="0" smtClean="0">
+              <a:rPr lang="en-US" altLang="zh-CN" sz="1200" kern="1200" dirty="0">
                 <a:solidFill>
                   <a:schemeClr val="tx1"/>
                 </a:solidFill>
@@ -4476,7 +4250,7 @@
               <a:t>ACFML</a:t>
             </a:r>
             <a:r>
-              <a:rPr lang="zh-CN" altLang="en-US" sz="1200" kern="1200" dirty="0" smtClean="0">
+              <a:rPr lang="zh-CN" altLang="en-US" sz="1200" kern="1200" dirty="0">
                 <a:solidFill>
                   <a:schemeClr val="tx1"/>
                 </a:solidFill>
@@ -4488,7 +4262,7 @@
               <a:t>还进行了三个超参数实验 分别是</a:t>
             </a:r>
             <a:r>
-              <a:rPr lang="en-US" altLang="zh-CN" sz="1200" kern="1200" dirty="0" smtClean="0">
+              <a:rPr lang="en-US" altLang="zh-CN" sz="1200" kern="1200" dirty="0">
                 <a:solidFill>
                   <a:schemeClr val="tx1"/>
                 </a:solidFill>
@@ -4500,7 +4274,7 @@
               <a:t>metric</a:t>
             </a:r>
             <a:r>
-              <a:rPr lang="zh-CN" altLang="en-US" sz="1200" kern="1200" dirty="0" smtClean="0">
+              <a:rPr lang="zh-CN" altLang="en-US" sz="1200" kern="1200" dirty="0">
                 <a:solidFill>
                   <a:schemeClr val="tx1"/>
                 </a:solidFill>
@@ -4512,7 +4286,7 @@
               <a:t>里的</a:t>
             </a:r>
             <a:r>
-              <a:rPr lang="en-US" altLang="zh-CN" sz="1200" kern="1200" dirty="0" smtClean="0">
+              <a:rPr lang="en-US" altLang="zh-CN" sz="1200" kern="1200" dirty="0">
                 <a:solidFill>
                   <a:schemeClr val="tx1"/>
                 </a:solidFill>
@@ -4524,7 +4298,7 @@
               <a:t>margin </a:t>
             </a:r>
             <a:r>
-              <a:rPr lang="zh-CN" altLang="en-US" sz="1200" kern="1200" dirty="0" smtClean="0">
+              <a:rPr lang="zh-CN" altLang="en-US" sz="1200" kern="1200" dirty="0">
                 <a:solidFill>
                   <a:schemeClr val="tx1"/>
                 </a:solidFill>
@@ -4535,7 +4309,7 @@
               </a:rPr>
               <a:t>负采样数量 和隐因子维度</a:t>
             </a:r>
-            <a:endParaRPr lang="en-US" altLang="zh-CN" sz="1200" kern="1200" dirty="0" smtClean="0">
+            <a:endParaRPr lang="en-US" altLang="zh-CN" sz="1200" kern="1200" dirty="0">
               <a:solidFill>
                 <a:schemeClr val="tx1"/>
               </a:solidFill>
@@ -4547,7 +4321,7 @@
           </a:p>
           <a:p>
             <a:r>
-              <a:rPr lang="zh-CN" altLang="en-US" sz="1200" b="0" i="0" u="none" strike="noStrike" kern="1200" baseline="0" dirty="0" smtClean="0">
+              <a:rPr lang="zh-CN" altLang="en-US" sz="1200" b="0" i="0" u="none" strike="noStrike" kern="1200" baseline="0" dirty="0">
                 <a:solidFill>
                   <a:schemeClr val="tx1"/>
                 </a:solidFill>
@@ -4558,7 +4332,7 @@
               <a:t>随</a:t>
             </a:r>
             <a:r>
-              <a:rPr lang="en-US" altLang="zh-CN" sz="1200" b="0" i="0" u="none" strike="noStrike" kern="1200" baseline="0" dirty="0" smtClean="0">
+              <a:rPr lang="en-US" altLang="zh-CN" sz="1200" b="0" i="0" u="none" strike="noStrike" kern="1200" baseline="0" dirty="0">
                 <a:solidFill>
                   <a:schemeClr val="tx1"/>
                 </a:solidFill>
@@ -4569,18 +4343,18 @@
               <a:t>margin </a:t>
             </a:r>
             <a:r>
-              <a:rPr lang="zh-CN" altLang="en-US" sz="1200" b="0" i="0" u="none" strike="noStrike" kern="1200" baseline="0" dirty="0" smtClean="0">
-                <a:solidFill>
-                  <a:schemeClr val="tx1"/>
-                </a:solidFill>
-                <a:latin typeface="+mn-lt"/>
-                <a:ea typeface="+mn-ea"/>
-                <a:cs typeface="+mn-cs"/>
-              </a:rPr>
-              <a:t>增加 总体呈下降趋势 可能是在数据集规模较大的情况下 大的</a:t>
-            </a:r>
-            <a:r>
-              <a:rPr lang="en-US" altLang="zh-CN" sz="1200" b="0" i="0" u="none" strike="noStrike" kern="1200" baseline="0" dirty="0" smtClean="0">
+              <a:rPr lang="zh-CN" altLang="en-US" sz="1200" b="0" i="0" u="none" strike="noStrike" kern="1200" baseline="0" dirty="0">
+                <a:solidFill>
+                  <a:schemeClr val="tx1"/>
+                </a:solidFill>
+                <a:latin typeface="+mn-lt"/>
+                <a:ea typeface="+mn-ea"/>
+                <a:cs typeface="+mn-cs"/>
+              </a:rPr>
+              <a:t>增加 总体呈下降趋势 可能是由于在数据集规模较大的情况下 大的</a:t>
+            </a:r>
+            <a:r>
+              <a:rPr lang="en-US" altLang="zh-CN" sz="1200" b="0" i="0" u="none" strike="noStrike" kern="1200" baseline="0" dirty="0">
                 <a:solidFill>
                   <a:schemeClr val="tx1"/>
                 </a:solidFill>
@@ -4591,7 +4365,7 @@
               <a:t>margin</a:t>
             </a:r>
             <a:r>
-              <a:rPr lang="zh-CN" altLang="en-US" sz="1200" b="0" i="0" u="none" strike="noStrike" kern="1200" baseline="0" dirty="0" smtClean="0">
+              <a:rPr lang="zh-CN" altLang="en-US" sz="1200" b="0" i="0" u="none" strike="noStrike" kern="1200" baseline="0" dirty="0">
                 <a:solidFill>
                   <a:schemeClr val="tx1"/>
                 </a:solidFill>
@@ -4601,7 +4375,7 @@
               </a:rPr>
               <a:t>导致收敛速度降低 甚至难以收敛</a:t>
             </a:r>
-            <a:endParaRPr lang="en-US" altLang="zh-CN" sz="1200" b="0" i="0" u="none" strike="noStrike" kern="1200" baseline="0" dirty="0" smtClean="0">
+            <a:endParaRPr lang="en-US" altLang="zh-CN" sz="1200" b="0" i="0" u="none" strike="noStrike" kern="1200" baseline="0" dirty="0">
               <a:solidFill>
                 <a:schemeClr val="tx1"/>
               </a:solidFill>
@@ -4612,7 +4386,7 @@
           </a:p>
           <a:p>
             <a:r>
-              <a:rPr lang="zh-CN" altLang="en-US" sz="1200" b="0" i="0" u="none" strike="noStrike" kern="1200" baseline="0" dirty="0" smtClean="0">
+              <a:rPr lang="zh-CN" altLang="en-US" sz="1200" b="0" i="0" u="none" strike="noStrike" kern="1200" baseline="0" dirty="0">
                 <a:solidFill>
                   <a:schemeClr val="tx1"/>
                 </a:solidFill>
@@ -4622,7 +4396,7 @@
               </a:rPr>
               <a:t>随负采样数量增加 推荐性能逐渐增加 并慢慢趋于稳定</a:t>
             </a:r>
-            <a:endParaRPr lang="en-US" altLang="zh-CN" sz="1200" b="0" i="0" u="none" strike="noStrike" kern="1200" baseline="0" dirty="0" smtClean="0">
+            <a:endParaRPr lang="en-US" altLang="zh-CN" sz="1200" b="0" i="0" u="none" strike="noStrike" kern="1200" baseline="0" dirty="0">
               <a:solidFill>
                 <a:schemeClr val="tx1"/>
               </a:solidFill>
@@ -4633,7 +4407,7 @@
           </a:p>
           <a:p>
             <a:r>
-              <a:rPr lang="zh-CN" altLang="en-US" sz="1200" b="0" i="0" u="none" strike="noStrike" kern="1200" baseline="0" dirty="0" smtClean="0">
+              <a:rPr lang="zh-CN" altLang="en-US" sz="1200" b="0" i="0" u="none" strike="noStrike" kern="1200" baseline="0" dirty="0">
                 <a:solidFill>
                   <a:schemeClr val="tx1"/>
                 </a:solidFill>
@@ -4644,18 +4418,18 @@
               <a:t>随隐因子数量增加 推荐性能首先增加 峰值性能在</a:t>
             </a:r>
             <a:r>
-              <a:rPr lang="x-none" altLang="zh-CN" sz="1200" b="0" i="0" u="none" strike="noStrike" kern="1200" baseline="0" dirty="0" smtClean="0">
-                <a:solidFill>
-                  <a:schemeClr val="tx1"/>
-                </a:solidFill>
-                <a:latin typeface="+mn-lt"/>
-                <a:ea typeface="+mn-ea"/>
-                <a:cs typeface="+mn-cs"/>
-              </a:rPr>
-              <a:t>32-64 </a:t>
-            </a:r>
-            <a:r>
-              <a:rPr lang="zh-CN" altLang="en-US" sz="1200" b="0" i="0" u="none" strike="noStrike" kern="1200" baseline="0" dirty="0" smtClean="0">
+              <a:rPr lang="x-none" altLang="zh-CN" sz="1200" b="0" i="0" u="none" strike="noStrike" kern="1200" baseline="0">
+                <a:solidFill>
+                  <a:schemeClr val="tx1"/>
+                </a:solidFill>
+                <a:latin typeface="+mn-lt"/>
+                <a:ea typeface="+mn-ea"/>
+                <a:cs typeface="+mn-cs"/>
+              </a:rPr>
+              <a:t>32-64</a:t>
+            </a:r>
+            <a:r>
+              <a:rPr lang="zh-CN" altLang="en-US" sz="1200" b="0" i="0" u="none" strike="noStrike" kern="1200" baseline="0" dirty="0">
                 <a:solidFill>
                   <a:schemeClr val="tx1"/>
                 </a:solidFill>
@@ -4665,7 +4439,7 @@
               </a:rPr>
               <a:t>左右达到 如果维度进一步增大 可能会过拟合</a:t>
             </a:r>
-            <a:endParaRPr lang="x-none" altLang="zh-CN" sz="1200" b="0" i="0" u="none" strike="noStrike" kern="1200" baseline="0" dirty="0" smtClean="0">
+            <a:endParaRPr lang="x-none" altLang="zh-CN" sz="1200" b="0" i="0" u="none" strike="noStrike" kern="1200" baseline="0" dirty="0">
               <a:solidFill>
                 <a:schemeClr val="tx1"/>
               </a:solidFill>
@@ -4675,7 +4449,7 @@
             </a:endParaRPr>
           </a:p>
           <a:p>
-            <a:endParaRPr lang="x-none" altLang="zh-CN" sz="1200" b="0" i="0" u="none" strike="noStrike" kern="1200" baseline="0" dirty="0" smtClean="0">
+            <a:endParaRPr lang="x-none" altLang="zh-CN" sz="1200" b="0" i="0" u="none" strike="noStrike" kern="1200" baseline="0" dirty="0">
               <a:solidFill>
                 <a:schemeClr val="tx1"/>
               </a:solidFill>
@@ -4812,7 +4586,7 @@
               <a:defRPr/>
             </a:pPr>
             <a:r>
-              <a:rPr lang="zh-CN" altLang="en-US" sz="1200" kern="1200" dirty="0" smtClean="0">
+              <a:rPr lang="zh-CN" altLang="en-US" sz="1200" kern="1200" dirty="0">
                 <a:solidFill>
                   <a:schemeClr val="tx1"/>
                 </a:solidFill>
@@ -4916,7 +4690,7 @@
           <a:lstStyle/>
           <a:p>
             <a:r>
-              <a:rPr lang="zh-CN" altLang="en-US" sz="1200" b="0" i="0" u="none" strike="noStrike" kern="1200" baseline="0" dirty="0" smtClean="0">
+              <a:rPr lang="zh-CN" altLang="en-US" sz="1200" b="0" i="0" u="none" strike="noStrike" kern="1200" baseline="0" dirty="0">
                 <a:solidFill>
                   <a:schemeClr val="tx1"/>
                 </a:solidFill>
@@ -4927,7 +4701,7 @@
               <a:t>本工作取得的主要成果有三点 第一点 在基础模型</a:t>
             </a:r>
             <a:r>
-              <a:rPr lang="en-US" altLang="zh-CN" sz="1200" b="0" i="0" u="none" strike="noStrike" kern="1200" baseline="0" dirty="0" err="1" smtClean="0">
+              <a:rPr lang="en-US" altLang="zh-CN" sz="1200" b="0" i="0" u="none" strike="noStrike" kern="1200" baseline="0" dirty="0" err="1">
                 <a:solidFill>
                   <a:schemeClr val="tx1"/>
                 </a:solidFill>
@@ -4938,7 +4712,18 @@
               <a:t>NeuACF</a:t>
             </a:r>
             <a:r>
-              <a:rPr lang="en-US" altLang="zh-CN" sz="1200" b="0" i="0" u="none" strike="noStrike" kern="1200" baseline="0" dirty="0" smtClean="0">
+              <a:rPr lang="zh-CN" altLang="en-US" sz="1200" b="0" i="0" u="none" strike="noStrike" kern="1200" baseline="0" dirty="0">
+                <a:solidFill>
+                  <a:schemeClr val="tx1"/>
+                </a:solidFill>
+                <a:latin typeface="+mn-lt"/>
+                <a:ea typeface="+mn-ea"/>
+                <a:cs typeface="+mn-cs"/>
+              </a:rPr>
+              <a:t>中引入度量学习的概念 以欧几里得距离指标捕捉数据间关系 弥补点积所造成的相似性传递特征丢失 实现更全方位的信息传递</a:t>
+            </a:r>
+            <a:r>
+              <a:rPr lang="en-US" altLang="zh-CN" sz="1200" b="0" i="0" u="none" strike="noStrike" kern="1200" baseline="0" dirty="0">
                 <a:solidFill>
                   <a:schemeClr val="tx1"/>
                 </a:solidFill>
@@ -4949,29 +4734,7 @@
               <a:t> </a:t>
             </a:r>
             <a:r>
-              <a:rPr lang="zh-CN" altLang="en-US" sz="1200" b="0" i="0" u="none" strike="noStrike" kern="1200" baseline="0" dirty="0" smtClean="0">
-                <a:solidFill>
-                  <a:schemeClr val="tx1"/>
-                </a:solidFill>
-                <a:latin typeface="+mn-lt"/>
-                <a:ea typeface="+mn-ea"/>
-                <a:cs typeface="+mn-cs"/>
-              </a:rPr>
-              <a:t>中引入度量学习的概念 以欧几里得距离指标捕捉数据间关系 弥补点积所造成的相似性传递特征丢失 实现更全方位的信息传递</a:t>
-            </a:r>
-            <a:r>
-              <a:rPr lang="en-US" altLang="zh-CN" sz="1200" b="0" i="0" u="none" strike="noStrike" kern="1200" baseline="0" dirty="0" smtClean="0">
-                <a:solidFill>
-                  <a:schemeClr val="tx1"/>
-                </a:solidFill>
-                <a:latin typeface="+mn-lt"/>
-                <a:ea typeface="+mn-ea"/>
-                <a:cs typeface="+mn-cs"/>
-              </a:rPr>
-              <a:t> </a:t>
-            </a:r>
-            <a:r>
-              <a:rPr lang="zh-CN" altLang="en-US" sz="1200" b="0" i="0" u="none" strike="noStrike" kern="1200" baseline="0" dirty="0" smtClean="0">
+              <a:rPr lang="zh-CN" altLang="en-US" sz="1200" b="0" i="0" u="none" strike="noStrike" kern="1200" baseline="0" dirty="0">
                 <a:solidFill>
                   <a:schemeClr val="tx1"/>
                 </a:solidFill>
@@ -4982,18 +4745,18 @@
               <a:t>第二点 使用</a:t>
             </a:r>
             <a:r>
-              <a:rPr lang="en-US" altLang="zh-CN" sz="1200" b="0" i="0" u="none" strike="noStrike" kern="1200" baseline="0" dirty="0" smtClean="0">
-                <a:solidFill>
-                  <a:schemeClr val="tx1"/>
-                </a:solidFill>
-                <a:latin typeface="+mn-lt"/>
-                <a:ea typeface="+mn-ea"/>
-                <a:cs typeface="+mn-cs"/>
-              </a:rPr>
-              <a:t>pair-wise </a:t>
-            </a:r>
-            <a:r>
-              <a:rPr lang="zh-CN" altLang="en-US" sz="1200" b="0" i="0" u="none" strike="noStrike" kern="1200" baseline="0" dirty="0" smtClean="0">
+              <a:rPr lang="en-US" altLang="zh-CN" sz="1200" b="0" i="0" u="none" strike="noStrike" kern="1200" baseline="0" dirty="0">
+                <a:solidFill>
+                  <a:schemeClr val="tx1"/>
+                </a:solidFill>
+                <a:latin typeface="+mn-lt"/>
+                <a:ea typeface="+mn-ea"/>
+                <a:cs typeface="+mn-cs"/>
+              </a:rPr>
+              <a:t>pair-wise</a:t>
+            </a:r>
+            <a:r>
+              <a:rPr lang="zh-CN" altLang="en-US" sz="1200" b="0" i="0" u="none" strike="noStrike" kern="1200" baseline="0" dirty="0">
                 <a:solidFill>
                   <a:schemeClr val="tx1"/>
                 </a:solidFill>
@@ -5004,18 +4767,18 @@
               <a:t>损失函数替换</a:t>
             </a:r>
             <a:r>
-              <a:rPr lang="en-US" altLang="zh-CN" sz="1200" b="0" i="0" u="none" strike="noStrike" kern="1200" baseline="0" dirty="0" smtClean="0">
-                <a:solidFill>
-                  <a:schemeClr val="tx1"/>
-                </a:solidFill>
-                <a:latin typeface="+mn-lt"/>
-                <a:ea typeface="+mn-ea"/>
-                <a:cs typeface="+mn-cs"/>
-              </a:rPr>
-              <a:t>point-wise </a:t>
-            </a:r>
-            <a:r>
-              <a:rPr lang="zh-CN" altLang="en-US" sz="1200" b="0" i="0" u="none" strike="noStrike" kern="1200" baseline="0" dirty="0" smtClean="0">
+              <a:rPr lang="en-US" altLang="zh-CN" sz="1200" b="0" i="0" u="none" strike="noStrike" kern="1200" baseline="0" dirty="0">
+                <a:solidFill>
+                  <a:schemeClr val="tx1"/>
+                </a:solidFill>
+                <a:latin typeface="+mn-lt"/>
+                <a:ea typeface="+mn-ea"/>
+                <a:cs typeface="+mn-cs"/>
+              </a:rPr>
+              <a:t>point-wise</a:t>
+            </a:r>
+            <a:r>
+              <a:rPr lang="zh-CN" altLang="en-US" sz="1200" b="0" i="0" u="none" strike="noStrike" kern="1200" baseline="0" dirty="0">
                 <a:solidFill>
                   <a:schemeClr val="tx1"/>
                 </a:solidFill>
@@ -5026,18 +4789,18 @@
               <a:t>损失函数 强调对于</a:t>
             </a:r>
             <a:r>
-              <a:rPr lang="en-US" altLang="zh-CN" sz="1200" b="0" i="0" u="none" strike="noStrike" kern="1200" baseline="0" dirty="0" smtClean="0">
-                <a:solidFill>
-                  <a:schemeClr val="tx1"/>
-                </a:solidFill>
-                <a:latin typeface="+mn-lt"/>
-                <a:ea typeface="+mn-ea"/>
-                <a:cs typeface="+mn-cs"/>
-              </a:rPr>
-              <a:t>Top-N </a:t>
-            </a:r>
-            <a:r>
-              <a:rPr lang="zh-CN" altLang="en-US" sz="1200" b="0" i="0" u="none" strike="noStrike" kern="1200" baseline="0" dirty="0" smtClean="0">
+              <a:rPr lang="en-US" altLang="zh-CN" sz="1200" b="0" i="0" u="none" strike="noStrike" kern="1200" baseline="0" dirty="0">
+                <a:solidFill>
+                  <a:schemeClr val="tx1"/>
+                </a:solidFill>
+                <a:latin typeface="+mn-lt"/>
+                <a:ea typeface="+mn-ea"/>
+                <a:cs typeface="+mn-cs"/>
+              </a:rPr>
+              <a:t>Top-N</a:t>
+            </a:r>
+            <a:r>
+              <a:rPr lang="zh-CN" altLang="en-US" sz="1200" b="0" i="0" u="none" strike="noStrike" kern="1200" baseline="0" dirty="0">
                 <a:solidFill>
                   <a:schemeClr val="tx1"/>
                 </a:solidFill>
@@ -5048,18 +4811,18 @@
               <a:t>推荐而言的相对交互可能性 产生排序更合理的物品推荐列表 第三点 基于推荐数据集</a:t>
             </a:r>
             <a:r>
-              <a:rPr lang="en-US" altLang="zh-CN" sz="1200" b="0" i="0" u="none" strike="noStrike" kern="1200" baseline="0" dirty="0" smtClean="0">
-                <a:solidFill>
-                  <a:schemeClr val="tx1"/>
-                </a:solidFill>
-                <a:latin typeface="+mn-lt"/>
-                <a:ea typeface="+mn-ea"/>
-                <a:cs typeface="+mn-cs"/>
-              </a:rPr>
-              <a:t>Amazon </a:t>
-            </a:r>
-            <a:r>
-              <a:rPr lang="zh-CN" altLang="en-US" sz="1200" b="0" i="0" u="none" strike="noStrike" kern="1200" baseline="0" dirty="0" smtClean="0">
+              <a:rPr lang="en-US" altLang="zh-CN" sz="1200" b="0" i="0" u="none" strike="noStrike" kern="1200" baseline="0" dirty="0">
+                <a:solidFill>
+                  <a:schemeClr val="tx1"/>
+                </a:solidFill>
+                <a:latin typeface="+mn-lt"/>
+                <a:ea typeface="+mn-ea"/>
+                <a:cs typeface="+mn-cs"/>
+              </a:rPr>
+              <a:t>Amazon</a:t>
+            </a:r>
+            <a:r>
+              <a:rPr lang="zh-CN" altLang="en-US" sz="1200" b="0" i="0" u="none" strike="noStrike" kern="1200" baseline="0" dirty="0">
                 <a:solidFill>
                   <a:schemeClr val="tx1"/>
                 </a:solidFill>
@@ -5070,7 +4833,7 @@
               <a:t>和</a:t>
             </a:r>
             <a:r>
-              <a:rPr lang="en-US" altLang="zh-CN" sz="1200" b="0" i="0" u="none" strike="noStrike" kern="1200" baseline="0" dirty="0" err="1" smtClean="0">
+              <a:rPr lang="en-US" altLang="zh-CN" sz="1200" b="0" i="0" u="none" strike="noStrike" kern="1200" baseline="0" dirty="0" err="1">
                 <a:solidFill>
                   <a:schemeClr val="tx1"/>
                 </a:solidFill>
@@ -5081,7 +4844,7 @@
               <a:t>MovieLens</a:t>
             </a:r>
             <a:r>
-              <a:rPr lang="zh-CN" altLang="en-US" sz="1200" b="0" i="0" u="none" strike="noStrike" kern="1200" baseline="0" dirty="0" smtClean="0">
+              <a:rPr lang="zh-CN" altLang="en-US" sz="1200" b="0" i="0" u="none" strike="noStrike" kern="1200" baseline="0" dirty="0">
                 <a:solidFill>
                   <a:schemeClr val="tx1"/>
                 </a:solidFill>
@@ -5091,7 +4854,7 @@
               </a:rPr>
               <a:t> 与经典算法进行对比实验 验证了模型的优越性</a:t>
             </a:r>
-            <a:endParaRPr lang="en-US" altLang="zh-CN" sz="1200" b="0" i="0" u="none" strike="noStrike" kern="1200" baseline="0" dirty="0" smtClean="0">
+            <a:endParaRPr lang="en-US" altLang="zh-CN" sz="1200" b="0" i="0" u="none" strike="noStrike" kern="1200" baseline="0" dirty="0">
               <a:solidFill>
                 <a:schemeClr val="tx1"/>
               </a:solidFill>
@@ -5102,7 +4865,7 @@
           </a:p>
           <a:p>
             <a:r>
-              <a:rPr lang="zh-CN" altLang="en-US" sz="1200" b="0" i="0" u="none" strike="noStrike" kern="1200" baseline="0" dirty="0" smtClean="0">
+              <a:rPr lang="zh-CN" altLang="en-US" sz="1200" b="0" i="0" u="none" strike="noStrike" kern="1200" baseline="0" dirty="0">
                 <a:solidFill>
                   <a:schemeClr val="tx1"/>
                 </a:solidFill>
@@ -5113,7 +4876,7 @@
               <a:t>但是 </a:t>
             </a:r>
             <a:r>
-              <a:rPr lang="en-US" altLang="zh-CN" sz="1200" b="0" i="0" u="none" strike="noStrike" kern="1200" baseline="0" dirty="0" smtClean="0">
+              <a:rPr lang="en-US" altLang="zh-CN" sz="1200" b="0" i="0" u="none" strike="noStrike" kern="1200" baseline="0" dirty="0">
                 <a:solidFill>
                   <a:schemeClr val="tx1"/>
                 </a:solidFill>
@@ -5124,7 +4887,7 @@
               <a:t>ACFML</a:t>
             </a:r>
             <a:r>
-              <a:rPr lang="zh-CN" altLang="en-US" sz="1200" b="0" i="0" u="none" strike="noStrike" kern="1200" baseline="0" dirty="0" smtClean="0">
+              <a:rPr lang="zh-CN" altLang="en-US" sz="1200" b="0" i="0" u="none" strike="noStrike" kern="1200" baseline="0" dirty="0">
                 <a:solidFill>
                   <a:schemeClr val="tx1"/>
                 </a:solidFill>
@@ -5135,40 +4898,40 @@
               <a:t>仍存在一些问题 在稀疏数据集</a:t>
             </a:r>
             <a:r>
-              <a:rPr lang="en-US" altLang="zh-CN" sz="1200" b="0" i="0" u="none" strike="noStrike" kern="1200" baseline="0" dirty="0" smtClean="0">
-                <a:solidFill>
-                  <a:schemeClr val="tx1"/>
-                </a:solidFill>
-                <a:latin typeface="+mn-lt"/>
-                <a:ea typeface="+mn-ea"/>
-                <a:cs typeface="+mn-cs"/>
-              </a:rPr>
-              <a:t>Amazon </a:t>
-            </a:r>
-            <a:r>
-              <a:rPr lang="zh-CN" altLang="en-US" sz="1200" b="0" i="0" u="none" strike="noStrike" kern="1200" baseline="0" dirty="0" smtClean="0">
-                <a:solidFill>
-                  <a:schemeClr val="tx1"/>
-                </a:solidFill>
-                <a:latin typeface="+mn-lt"/>
-                <a:ea typeface="+mn-ea"/>
-                <a:cs typeface="+mn-cs"/>
-              </a:rPr>
-              <a:t>上表现优良 但是 对于更稠密的</a:t>
-            </a:r>
-            <a:r>
-              <a:rPr lang="en-US" altLang="zh-CN" sz="1200" b="0" i="0" u="none" strike="noStrike" kern="1200" baseline="0" dirty="0" smtClean="0">
-                <a:solidFill>
-                  <a:schemeClr val="tx1"/>
-                </a:solidFill>
-                <a:latin typeface="+mn-lt"/>
-                <a:ea typeface="+mn-ea"/>
-                <a:cs typeface="+mn-cs"/>
-              </a:rPr>
-              <a:t>ML100K </a:t>
-            </a:r>
-            <a:r>
-              <a:rPr lang="zh-CN" altLang="en-US" sz="1200" b="0" i="0" u="none" strike="noStrike" kern="1200" baseline="0" dirty="0" smtClean="0">
+              <a:rPr lang="en-US" altLang="zh-CN" sz="1200" b="0" i="0" u="none" strike="noStrike" kern="1200" baseline="0" dirty="0">
+                <a:solidFill>
+                  <a:schemeClr val="tx1"/>
+                </a:solidFill>
+                <a:latin typeface="+mn-lt"/>
+                <a:ea typeface="+mn-ea"/>
+                <a:cs typeface="+mn-cs"/>
+              </a:rPr>
+              <a:t>Amazon</a:t>
+            </a:r>
+            <a:r>
+              <a:rPr lang="zh-CN" altLang="en-US" sz="1200" b="0" i="0" u="none" strike="noStrike" kern="1200" baseline="0" dirty="0">
+                <a:solidFill>
+                  <a:schemeClr val="tx1"/>
+                </a:solidFill>
+                <a:latin typeface="+mn-lt"/>
+                <a:ea typeface="+mn-ea"/>
+                <a:cs typeface="+mn-cs"/>
+              </a:rPr>
+              <a:t>上表现优良 但对于更稠密的</a:t>
+            </a:r>
+            <a:r>
+              <a:rPr lang="en-US" altLang="zh-CN" sz="1200" b="0" i="0" u="none" strike="noStrike" kern="1200" baseline="0" dirty="0" err="1">
+                <a:solidFill>
+                  <a:schemeClr val="tx1"/>
+                </a:solidFill>
+                <a:latin typeface="+mn-lt"/>
+                <a:ea typeface="+mn-ea"/>
+                <a:cs typeface="+mn-cs"/>
+              </a:rPr>
+              <a:t>MovieLens</a:t>
+            </a:r>
+            <a:r>
+              <a:rPr lang="zh-CN" altLang="en-US" sz="1200" b="0" i="0" u="none" strike="noStrike" kern="1200" baseline="0" dirty="0">
                 <a:solidFill>
                   <a:schemeClr val="tx1"/>
                 </a:solidFill>
@@ -5179,7 +4942,7 @@
               <a:t>数据集 存在收敛速度变缓且性能降低的问题 如何平衡性能和数据数量 是未来努力的方向</a:t>
             </a:r>
             <a:r>
-              <a:rPr lang="en-US" altLang="zh-CN" sz="1200" b="0" i="0" u="none" strike="noStrike" kern="1200" baseline="0" dirty="0" smtClean="0">
+              <a:rPr lang="en-US" altLang="zh-CN" sz="1200" b="0" i="0" u="none" strike="noStrike" kern="1200" baseline="0" dirty="0">
                 <a:solidFill>
                   <a:schemeClr val="tx1"/>
                 </a:solidFill>
@@ -5190,17 +4953,17 @@
               <a:t> </a:t>
             </a:r>
             <a:r>
-              <a:rPr lang="zh-CN" altLang="en-US" sz="1200" b="0" i="0" u="none" strike="noStrike" kern="1200" baseline="0" dirty="0" smtClean="0">
-                <a:solidFill>
-                  <a:schemeClr val="tx1"/>
-                </a:solidFill>
-                <a:latin typeface="+mn-lt"/>
-                <a:ea typeface="+mn-ea"/>
-                <a:cs typeface="+mn-cs"/>
-              </a:rPr>
-              <a:t>与此同时 在实际应用中 不仅存在用户评分这样的显式反馈信息 而且充斥着大量诸如点击、加入购物车等隐式反馈 这些信息对于刻画用户喜好同样起着关键作用 这同样也是未来的工作方向</a:t>
-            </a:r>
-            <a:endParaRPr lang="x-none" altLang="zh-CN" sz="1200" b="0" i="0" u="none" strike="noStrike" kern="1200" baseline="0" dirty="0" smtClean="0">
+              <a:rPr lang="zh-CN" altLang="en-US" sz="1200" b="0" i="0" u="none" strike="noStrike" kern="1200" baseline="0" dirty="0">
+                <a:solidFill>
+                  <a:schemeClr val="tx1"/>
+                </a:solidFill>
+                <a:latin typeface="+mn-lt"/>
+                <a:ea typeface="+mn-ea"/>
+                <a:cs typeface="+mn-cs"/>
+              </a:rPr>
+              <a:t>与此同时 在实际应用中 不仅存在用户评分这样的显式反馈信息 也充斥着大量诸如点击、加入购物车等隐式反馈 这些信息对于刻画用户喜好同样起着关键作用 这同样也是未来的工作方向</a:t>
+            </a:r>
+            <a:endParaRPr lang="x-none" altLang="zh-CN" sz="1200" b="0" i="0" u="none" strike="noStrike" kern="1200" baseline="0" dirty="0">
               <a:solidFill>
                 <a:schemeClr val="tx1"/>
               </a:solidFill>
@@ -5210,7 +4973,7 @@
             </a:endParaRPr>
           </a:p>
           <a:p>
-            <a:endParaRPr lang="x-none" altLang="zh-CN" sz="1200" b="0" i="0" u="none" strike="noStrike" kern="1200" baseline="0" dirty="0" smtClean="0">
+            <a:endParaRPr lang="x-none" altLang="zh-CN" sz="1200" b="0" i="0" u="none" strike="noStrike" kern="1200" baseline="0" dirty="0">
               <a:solidFill>
                 <a:schemeClr val="tx1"/>
               </a:solidFill>
@@ -5339,41 +5102,8 @@
                 <a:ea typeface="+mn-ea"/>
                 <a:cs typeface="+mn-cs"/>
               </a:rPr>
-              <a:t>以上</a:t>
-            </a:r>
-            <a:r>
-              <a:rPr lang="zh-CN" altLang="en-US" sz="1200" kern="1200">
-                <a:solidFill>
-                  <a:schemeClr val="tx1"/>
-                </a:solidFill>
-                <a:effectLst/>
-                <a:latin typeface="+mn-lt"/>
-                <a:ea typeface="+mn-ea"/>
-                <a:cs typeface="+mn-cs"/>
-              </a:rPr>
-              <a:t>是</a:t>
-            </a:r>
-            <a:r>
-              <a:rPr lang="zh-CN" altLang="en-US" sz="1200" kern="1200" smtClean="0">
-                <a:solidFill>
-                  <a:schemeClr val="tx1"/>
-                </a:solidFill>
-                <a:effectLst/>
-                <a:latin typeface="+mn-lt"/>
-                <a:ea typeface="+mn-ea"/>
-                <a:cs typeface="+mn-cs"/>
-              </a:rPr>
-              <a:t>毕设汇报的全部内容 虽然我竭尽所能进行这个毕设工作 但是仍存在许多不足之处 有待改进 辛苦各位老师多多批评指正</a:t>
-            </a:r>
-            <a:endParaRPr lang="zh-CN" altLang="en-US" sz="1200" kern="1200" dirty="0">
-              <a:solidFill>
-                <a:schemeClr val="tx1"/>
-              </a:solidFill>
-              <a:effectLst/>
-              <a:latin typeface="+mn-lt"/>
-              <a:ea typeface="+mn-ea"/>
-              <a:cs typeface="+mn-cs"/>
-            </a:endParaRPr>
+              <a:t>以上是毕设汇报的全部内容 虽然我竭尽所能进行这个毕设工作 但是仍存在许多不足之处有待改进 辛苦各位老师多多批评指正</a:t>
+            </a:r>
           </a:p>
         </p:txBody>
       </p:sp>
@@ -5696,7 +5426,7 @@
               </a:rPr>
               <a:t> 因此 涌现了很多基于异质信息网络的推荐算法 </a:t>
             </a:r>
-            <a:endParaRPr lang="en-US" altLang="zh-CN" sz="1200" kern="1200" dirty="0" smtClean="0">
+            <a:endParaRPr lang="en-US" altLang="zh-CN" sz="1200" kern="1200" dirty="0">
               <a:solidFill>
                 <a:schemeClr val="tx1"/>
               </a:solidFill>
@@ -5708,7 +5438,7 @@
           </a:p>
           <a:p>
             <a:r>
-              <a:rPr lang="zh-CN" altLang="en-US" sz="1200" kern="1200" dirty="0" smtClean="0">
+              <a:rPr lang="zh-CN" altLang="en-US" sz="1200" kern="1200" dirty="0">
                 <a:solidFill>
                   <a:schemeClr val="tx1"/>
                 </a:solidFill>
@@ -5717,19 +5447,7 @@
                 <a:ea typeface="+mn-ea"/>
                 <a:cs typeface="+mn-cs"/>
               </a:rPr>
-              <a:t>我</a:t>
-            </a:r>
-            <a:r>
-              <a:rPr lang="zh-CN" altLang="en-US" sz="1200" kern="1200" dirty="0">
-                <a:solidFill>
-                  <a:schemeClr val="tx1"/>
-                </a:solidFill>
-                <a:effectLst/>
-                <a:latin typeface="+mn-lt"/>
-                <a:ea typeface="+mn-ea"/>
-                <a:cs typeface="+mn-cs"/>
-              </a:rPr>
-              <a:t>在经过广泛调研后 选择了一个模型作为</a:t>
+              <a:t>我在经过广泛调研后 选择了一个模型作为</a:t>
             </a:r>
             <a:r>
               <a:rPr lang="en-US" altLang="zh-CN" sz="1200" kern="1200" dirty="0">
@@ -5974,10 +5692,10 @@
                 <a:ea typeface="+mn-ea"/>
                 <a:cs typeface="+mn-cs"/>
               </a:rPr>
-              <a:t>不同 </a:t>
-            </a:r>
-            <a:r>
-              <a:rPr lang="zh-CN" altLang="en-US" sz="1200" kern="1200" dirty="0" smtClean="0">
+              <a:t>不同 现有方法</a:t>
+            </a:r>
+            <a:r>
+              <a:rPr lang="zh-CN" altLang="zh-CN" sz="1200" kern="1200" dirty="0">
                 <a:solidFill>
                   <a:schemeClr val="tx1"/>
                 </a:solidFill>
@@ -5986,10 +5704,10 @@
                 <a:ea typeface="+mn-ea"/>
                 <a:cs typeface="+mn-cs"/>
               </a:rPr>
-              <a:t>现有方法</a:t>
-            </a:r>
-            <a:r>
-              <a:rPr lang="zh-CN" altLang="zh-CN" sz="1200" kern="1200" dirty="0" smtClean="0">
+              <a:t>大多聚焦于用户和物品间的交互信息</a:t>
+            </a:r>
+            <a:r>
+              <a:rPr lang="zh-CN" altLang="en-US" sz="1200" kern="1200" dirty="0">
                 <a:solidFill>
                   <a:schemeClr val="tx1"/>
                 </a:solidFill>
@@ -5998,7 +5716,7 @@
                 <a:ea typeface="+mn-ea"/>
                 <a:cs typeface="+mn-cs"/>
               </a:rPr>
-              <a:t>大多</a:t>
+              <a:t> 也就是</a:t>
             </a:r>
             <a:r>
               <a:rPr lang="zh-CN" altLang="zh-CN" sz="1200" kern="1200" dirty="0">
@@ -6010,7 +5728,7 @@
                 <a:ea typeface="+mn-ea"/>
                 <a:cs typeface="+mn-cs"/>
               </a:rPr>
-              <a:t>聚焦于用户和物品间的交互信息</a:t>
+              <a:t>购买历史</a:t>
             </a:r>
             <a:r>
               <a:rPr lang="zh-CN" altLang="en-US" sz="1200" kern="1200" dirty="0">
@@ -6022,7 +5740,7 @@
                 <a:ea typeface="+mn-ea"/>
                 <a:cs typeface="+mn-cs"/>
               </a:rPr>
-              <a:t> 也就是</a:t>
+              <a:t> </a:t>
             </a:r>
             <a:r>
               <a:rPr lang="zh-CN" altLang="zh-CN" sz="1200" kern="1200" dirty="0">
@@ -6034,7 +5752,7 @@
                 <a:ea typeface="+mn-ea"/>
                 <a:cs typeface="+mn-cs"/>
               </a:rPr>
-              <a:t>购买历史</a:t>
+              <a:t>而这在实际应用中仅能反映用户口味和物品特性的一个方面</a:t>
             </a:r>
             <a:r>
               <a:rPr lang="zh-CN" altLang="en-US" sz="1200" kern="1200" dirty="0">
@@ -6046,6 +5764,30 @@
                 <a:ea typeface="+mn-ea"/>
                 <a:cs typeface="+mn-cs"/>
               </a:rPr>
+              <a:t> 若进一步考虑品牌信息 会产生更为合理的推荐结果 </a:t>
+            </a:r>
+            <a:r>
+              <a:rPr lang="zh-CN" altLang="zh-CN" sz="1200" kern="1200" dirty="0">
+                <a:solidFill>
+                  <a:schemeClr val="tx1"/>
+                </a:solidFill>
+                <a:effectLst/>
+                <a:latin typeface="+mn-lt"/>
+                <a:ea typeface="+mn-ea"/>
+                <a:cs typeface="+mn-cs"/>
+              </a:rPr>
+              <a:t>因此</a:t>
+            </a:r>
+            <a:r>
+              <a:rPr lang="zh-CN" altLang="en-US" sz="1200" kern="1200" dirty="0">
+                <a:solidFill>
+                  <a:schemeClr val="tx1"/>
+                </a:solidFill>
+                <a:effectLst/>
+                <a:latin typeface="+mn-lt"/>
+                <a:ea typeface="+mn-ea"/>
+                <a:cs typeface="+mn-cs"/>
+              </a:rPr>
               <a:t> </a:t>
             </a:r>
             <a:r>
@@ -6058,7 +5800,7 @@
                 <a:ea typeface="+mn-ea"/>
                 <a:cs typeface="+mn-cs"/>
               </a:rPr>
-              <a:t>而这在实际应用中仅能反映用户口味和物品特性的一个方面</a:t>
+              <a:t>为深入挖掘</a:t>
             </a:r>
             <a:r>
               <a:rPr lang="zh-CN" altLang="en-US" sz="1200" kern="1200" dirty="0">
@@ -6070,7 +5812,7 @@
                 <a:ea typeface="+mn-ea"/>
                 <a:cs typeface="+mn-cs"/>
               </a:rPr>
-              <a:t> 若进一步考虑品牌信息 会产生更为合理的推荐结果 </a:t>
+              <a:t>这种</a:t>
             </a:r>
             <a:r>
               <a:rPr lang="zh-CN" altLang="zh-CN" sz="1200" kern="1200" dirty="0">
@@ -6082,7 +5824,7 @@
                 <a:ea typeface="+mn-ea"/>
                 <a:cs typeface="+mn-cs"/>
               </a:rPr>
-              <a:t>因此</a:t>
+              <a:t>不同方面的语义关系相似</a:t>
             </a:r>
             <a:r>
               <a:rPr lang="zh-CN" altLang="en-US" sz="1200" kern="1200" dirty="0">
@@ -6094,10 +5836,10 @@
                 <a:ea typeface="+mn-ea"/>
                 <a:cs typeface="+mn-cs"/>
               </a:rPr>
-              <a:t> </a:t>
-            </a:r>
-            <a:r>
-              <a:rPr lang="zh-CN" altLang="zh-CN" sz="1200" kern="1200" dirty="0">
+              <a:t>性 </a:t>
+            </a:r>
+            <a:r>
+              <a:rPr lang="en-US" altLang="zh-CN" sz="1200" kern="1200" dirty="0" err="1">
                 <a:solidFill>
                   <a:schemeClr val="tx1"/>
                 </a:solidFill>
@@ -6106,67 +5848,7 @@
                 <a:ea typeface="+mn-ea"/>
                 <a:cs typeface="+mn-cs"/>
               </a:rPr>
-              <a:t>为深入挖掘</a:t>
-            </a:r>
-            <a:r>
-              <a:rPr lang="zh-CN" altLang="en-US" sz="1200" kern="1200" dirty="0">
-                <a:solidFill>
-                  <a:schemeClr val="tx1"/>
-                </a:solidFill>
-                <a:effectLst/>
-                <a:latin typeface="+mn-lt"/>
-                <a:ea typeface="+mn-ea"/>
-                <a:cs typeface="+mn-cs"/>
-              </a:rPr>
-              <a:t>这种</a:t>
-            </a:r>
-            <a:r>
-              <a:rPr lang="zh-CN" altLang="zh-CN" sz="1200" kern="1200" dirty="0">
-                <a:solidFill>
-                  <a:schemeClr val="tx1"/>
-                </a:solidFill>
-                <a:effectLst/>
-                <a:latin typeface="+mn-lt"/>
-                <a:ea typeface="+mn-ea"/>
-                <a:cs typeface="+mn-cs"/>
-              </a:rPr>
-              <a:t>不同方面的语义关系相似</a:t>
-            </a:r>
-            <a:r>
-              <a:rPr lang="zh-CN" altLang="en-US" sz="1200" kern="1200" dirty="0">
-                <a:solidFill>
-                  <a:schemeClr val="tx1"/>
-                </a:solidFill>
-                <a:effectLst/>
-                <a:latin typeface="+mn-lt"/>
-                <a:ea typeface="+mn-ea"/>
-                <a:cs typeface="+mn-cs"/>
-              </a:rPr>
-              <a:t>性 </a:t>
-            </a:r>
-            <a:r>
-              <a:rPr lang="en-US" altLang="zh-CN" sz="1200" kern="1200" dirty="0" err="1">
-                <a:solidFill>
-                  <a:schemeClr val="tx1"/>
-                </a:solidFill>
-                <a:effectLst/>
-                <a:latin typeface="+mn-lt"/>
-                <a:ea typeface="+mn-ea"/>
-                <a:cs typeface="+mn-cs"/>
-              </a:rPr>
               <a:t>NeuralACF</a:t>
-            </a:r>
-            <a:r>
-              <a:rPr lang="zh-CN" altLang="en-US" sz="1200" kern="1200" dirty="0">
-                <a:solidFill>
-                  <a:schemeClr val="tx1"/>
-                </a:solidFill>
-                <a:effectLst/>
-                <a:latin typeface="+mn-lt"/>
-                <a:ea typeface="+mn-ea"/>
-                <a:cs typeface="+mn-cs"/>
-              </a:rPr>
-              <a:t> </a:t>
             </a:r>
             <a:r>
               <a:rPr lang="zh-CN" altLang="zh-CN" sz="1200" kern="1200" dirty="0">
@@ -6377,7 +6059,7 @@
               </a:rPr>
               <a:t>也存在一些问题 主要分为两点 </a:t>
             </a:r>
-            <a:endParaRPr lang="en-US" altLang="zh-CN" sz="1200" kern="1200" dirty="0" smtClean="0">
+            <a:endParaRPr lang="en-US" altLang="zh-CN" sz="1200" kern="1200" dirty="0">
               <a:solidFill>
                 <a:schemeClr val="tx1"/>
               </a:solidFill>
@@ -6406,7 +6088,7 @@
               <a:defRPr/>
             </a:pPr>
             <a:r>
-              <a:rPr lang="zh-CN" altLang="en-US" sz="1200" kern="1200" dirty="0" smtClean="0">
+              <a:rPr lang="zh-CN" altLang="en-US" sz="1200" kern="1200" dirty="0">
                 <a:solidFill>
                   <a:schemeClr val="tx1"/>
                 </a:solidFill>
@@ -6537,7 +6219,7 @@
               </a:rPr>
               <a:t> </a:t>
             </a:r>
-            <a:endParaRPr lang="en-US" altLang="zh-CN" sz="1200" kern="1200" dirty="0" smtClean="0">
+            <a:endParaRPr lang="en-US" altLang="zh-CN" sz="1200" kern="1200" dirty="0">
               <a:solidFill>
                 <a:schemeClr val="tx1"/>
               </a:solidFill>
@@ -6566,7 +6248,7 @@
               <a:defRPr/>
             </a:pPr>
             <a:r>
-              <a:rPr lang="zh-CN" altLang="en-US" sz="1200" kern="1200" dirty="0" smtClean="0">
+              <a:rPr lang="zh-CN" altLang="en-US" sz="1200" kern="1200" dirty="0">
                 <a:solidFill>
                   <a:schemeClr val="tx1"/>
                 </a:solidFill>
@@ -6719,10 +6401,10 @@
                 <a:ea typeface="+mn-ea"/>
                 <a:cs typeface="+mn-cs"/>
               </a:rPr>
-              <a:t>相对交互可能性</a:t>
-            </a:r>
-            <a:r>
-              <a:rPr lang="zh-CN" altLang="zh-CN" sz="1200" kern="1200" dirty="0" smtClean="0">
+              <a:t>相对交互可能性更为重要</a:t>
+            </a:r>
+            <a:r>
+              <a:rPr lang="zh-CN" altLang="en-US" sz="1200" kern="1200" dirty="0">
                 <a:solidFill>
                   <a:schemeClr val="tx1"/>
                 </a:solidFill>
@@ -6731,10 +6413,10 @@
                 <a:ea typeface="+mn-ea"/>
                 <a:cs typeface="+mn-cs"/>
               </a:rPr>
-              <a:t>更为重要</a:t>
-            </a:r>
-            <a:r>
-              <a:rPr lang="zh-CN" altLang="en-US" sz="1200" kern="1200" dirty="0" smtClean="0">
+              <a:t> </a:t>
+            </a:r>
+            <a:r>
+              <a:rPr lang="zh-CN" altLang="zh-CN" sz="1200" kern="1200" dirty="0">
                 <a:solidFill>
                   <a:schemeClr val="tx1"/>
                 </a:solidFill>
@@ -6743,10 +6425,46 @@
                 <a:ea typeface="+mn-ea"/>
                 <a:cs typeface="+mn-cs"/>
               </a:rPr>
+              <a:t>因而</a:t>
+            </a:r>
+            <a:r>
+              <a:rPr lang="zh-CN" altLang="en-US" sz="1200" kern="1200" dirty="0">
+                <a:solidFill>
+                  <a:schemeClr val="tx1"/>
+                </a:solidFill>
+                <a:effectLst/>
+                <a:latin typeface="+mn-lt"/>
+                <a:ea typeface="+mn-ea"/>
+                <a:cs typeface="+mn-cs"/>
+              </a:rPr>
+              <a:t>考虑</a:t>
+            </a:r>
+            <a:r>
+              <a:rPr lang="zh-CN" altLang="zh-CN" sz="1200" kern="1200" dirty="0">
+                <a:solidFill>
+                  <a:schemeClr val="tx1"/>
+                </a:solidFill>
+                <a:effectLst/>
+                <a:latin typeface="+mn-lt"/>
+                <a:ea typeface="+mn-ea"/>
+                <a:cs typeface="+mn-cs"/>
+              </a:rPr>
+              <a:t>修改损失函数显式捕捉排序信息</a:t>
+            </a:r>
+            <a:r>
+              <a:rPr lang="zh-CN" altLang="en-US" sz="1200" kern="1200" dirty="0">
+                <a:solidFill>
+                  <a:schemeClr val="tx1"/>
+                </a:solidFill>
+                <a:effectLst/>
+                <a:latin typeface="+mn-lt"/>
+                <a:ea typeface="+mn-ea"/>
+                <a:cs typeface="+mn-cs"/>
+              </a:rPr>
               <a:t> </a:t>
             </a:r>
             <a:r>
-              <a:rPr lang="zh-CN" altLang="zh-CN" sz="1200" kern="1200" dirty="0" smtClean="0">
+              <a:rPr lang="zh-CN" altLang="zh-CN" sz="1200" kern="1200" dirty="0">
                 <a:solidFill>
                   <a:schemeClr val="tx1"/>
                 </a:solidFill>
@@ -6755,10 +6473,10 @@
                 <a:ea typeface="+mn-ea"/>
                 <a:cs typeface="+mn-cs"/>
               </a:rPr>
-              <a:t>因而</a:t>
-            </a:r>
-            <a:r>
-              <a:rPr lang="zh-CN" altLang="en-US" sz="1200" kern="1200" dirty="0" smtClean="0">
+              <a:t>产生更精准的推荐列表</a:t>
+            </a:r>
+            <a:r>
+              <a:rPr lang="zh-CN" altLang="en-US" sz="1200" kern="1200" dirty="0">
                 <a:solidFill>
                   <a:schemeClr val="tx1"/>
                 </a:solidFill>
@@ -6767,57 +6485,9 @@
                 <a:ea typeface="+mn-ea"/>
                 <a:cs typeface="+mn-cs"/>
               </a:rPr>
-              <a:t>考虑</a:t>
-            </a:r>
-            <a:r>
-              <a:rPr lang="zh-CN" altLang="zh-CN" sz="1200" kern="1200" dirty="0" smtClean="0">
-                <a:solidFill>
-                  <a:schemeClr val="tx1"/>
-                </a:solidFill>
-                <a:effectLst/>
-                <a:latin typeface="+mn-lt"/>
-                <a:ea typeface="+mn-ea"/>
-                <a:cs typeface="+mn-cs"/>
-              </a:rPr>
-              <a:t>修改损失函数显式捕捉排序信息</a:t>
-            </a:r>
-            <a:r>
-              <a:rPr lang="zh-CN" altLang="en-US" sz="1200" kern="1200" dirty="0" smtClean="0">
-                <a:solidFill>
-                  <a:schemeClr val="tx1"/>
-                </a:solidFill>
-                <a:effectLst/>
-                <a:latin typeface="+mn-lt"/>
-                <a:ea typeface="+mn-ea"/>
-                <a:cs typeface="+mn-cs"/>
-              </a:rPr>
               <a:t> </a:t>
             </a:r>
-            <a:r>
-              <a:rPr lang="zh-CN" altLang="zh-CN" sz="1200" kern="1200" dirty="0" smtClean="0">
-                <a:solidFill>
-                  <a:schemeClr val="tx1"/>
-                </a:solidFill>
-                <a:effectLst/>
-                <a:latin typeface="+mn-lt"/>
-                <a:ea typeface="+mn-ea"/>
-                <a:cs typeface="+mn-cs"/>
-              </a:rPr>
-              <a:t>产生更精准的推荐列表</a:t>
-            </a:r>
-            <a:r>
-              <a:rPr lang="zh-CN" altLang="en-US" sz="1200" kern="1200" dirty="0" smtClean="0">
-                <a:solidFill>
-                  <a:schemeClr val="tx1"/>
-                </a:solidFill>
-                <a:effectLst/>
-                <a:latin typeface="+mn-lt"/>
-                <a:ea typeface="+mn-ea"/>
-                <a:cs typeface="+mn-cs"/>
-              </a:rPr>
-              <a:t> </a:t>
-            </a:r>
-            <a:endParaRPr lang="en-US" altLang="zh-CN" sz="1200" kern="1200" dirty="0" smtClean="0">
+            <a:endParaRPr lang="en-US" altLang="zh-CN" sz="1200" kern="1200" dirty="0">
               <a:solidFill>
                 <a:schemeClr val="tx1"/>
               </a:solidFill>
@@ -6846,7 +6516,7 @@
               <a:defRPr/>
             </a:pPr>
             <a:r>
-              <a:rPr lang="zh-CN" altLang="en-US" sz="1200" kern="1200" dirty="0" smtClean="0">
+              <a:rPr lang="zh-CN" altLang="en-US" sz="1200" kern="1200" dirty="0">
                 <a:solidFill>
                   <a:schemeClr val="tx1"/>
                 </a:solidFill>
@@ -6858,7 +6528,7 @@
               <a:t>以上是选题背景的调研结果 以及对</a:t>
             </a:r>
             <a:r>
-              <a:rPr lang="en-US" altLang="zh-CN" sz="1200" kern="1200" dirty="0" smtClean="0">
+              <a:rPr lang="en-US" altLang="zh-CN" sz="1200" kern="1200" dirty="0">
                 <a:solidFill>
                   <a:schemeClr val="tx1"/>
                 </a:solidFill>
@@ -6870,7 +6540,7 @@
               <a:t>baseline</a:t>
             </a:r>
             <a:r>
-              <a:rPr lang="zh-CN" altLang="en-US" sz="1200" kern="1200" dirty="0" smtClean="0">
+              <a:rPr lang="zh-CN" altLang="en-US" sz="1200" kern="1200" dirty="0">
                 <a:solidFill>
                   <a:schemeClr val="tx1"/>
                 </a:solidFill>
@@ -6991,7 +6661,7 @@
               <a:defRPr/>
             </a:pPr>
             <a:r>
-              <a:rPr lang="zh-CN" altLang="en-US" sz="1200" kern="1200" dirty="0" smtClean="0">
+              <a:rPr lang="zh-CN" altLang="en-US" sz="1200" kern="1200" dirty="0">
                 <a:solidFill>
                   <a:schemeClr val="tx1"/>
                 </a:solidFill>
@@ -7000,19 +6670,7 @@
                 <a:ea typeface="+mn-ea"/>
                 <a:cs typeface="+mn-cs"/>
               </a:rPr>
-              <a:t>下面</a:t>
-            </a:r>
-            <a:r>
-              <a:rPr lang="zh-CN" altLang="en-US" sz="1200" kern="1200" dirty="0">
-                <a:solidFill>
-                  <a:schemeClr val="tx1"/>
-                </a:solidFill>
-                <a:effectLst/>
-                <a:latin typeface="+mn-lt"/>
-                <a:ea typeface="+mn-ea"/>
-                <a:cs typeface="+mn-cs"/>
-              </a:rPr>
-              <a:t>介绍在了解研究现状后 本工作所提出的改进模型</a:t>
+              <a:t>下面介绍 基于研究现状 本工作所提出的改进模型</a:t>
             </a:r>
             <a:r>
               <a:rPr lang="en-US" altLang="zh-CN" sz="1200" kern="1200" dirty="0">
@@ -7138,18 +6796,6 @@
                   <a:defRPr/>
                 </a:pPr>
                 <a:r>
-                  <a:rPr lang="zh-CN" altLang="en-US" sz="1200" kern="1200" dirty="0" smtClean="0">
-                    <a:solidFill>
-                      <a:schemeClr val="tx1"/>
-                    </a:solidFill>
-                    <a:effectLst/>
-                    <a:latin typeface="+mn-lt"/>
-                    <a:ea typeface="+mn-ea"/>
-                    <a:cs typeface="+mn-cs"/>
-                  </a:rPr>
-                  <a:t>首先 </a:t>
-                </a:r>
-                <a:r>
                   <a:rPr lang="zh-CN" altLang="en-US" sz="1200" kern="1200" dirty="0">
                     <a:solidFill>
                       <a:schemeClr val="tx1"/>
@@ -7159,7 +6805,7 @@
                     <a:ea typeface="+mn-ea"/>
                     <a:cs typeface="+mn-cs"/>
                   </a:rPr>
-                  <a:t>确定</a:t>
+                  <a:t>首先 确定</a:t>
                 </a:r>
                 <a:r>
                   <a:rPr lang="en-US" altLang="zh-CN" sz="1200" kern="1200" dirty="0">
@@ -7185,7 +6831,7 @@
                   </a:rPr>
                   <a:t>的具体改进方案 </a:t>
                 </a:r>
-                <a:endParaRPr lang="en-US" altLang="zh-CN" sz="1200" kern="1200" dirty="0" smtClean="0">
+                <a:endParaRPr lang="en-US" altLang="zh-CN" sz="1200" kern="1200" dirty="0">
                   <a:solidFill>
                     <a:schemeClr val="tx1"/>
                   </a:solidFill>
@@ -7214,18 +6860,6 @@
                   <a:defRPr/>
                 </a:pPr>
                 <a:r>
-                  <a:rPr lang="zh-CN" altLang="en-US" sz="1200" kern="1200" dirty="0" smtClean="0">
-                    <a:solidFill>
-                      <a:schemeClr val="tx1"/>
-                    </a:solidFill>
-                    <a:effectLst/>
-                    <a:latin typeface="+mn-lt"/>
-                    <a:ea typeface="+mn-ea"/>
-                    <a:cs typeface="+mn-cs"/>
-                  </a:rPr>
-                  <a:t>对应</a:t>
-                </a:r>
-                <a:r>
                   <a:rPr lang="zh-CN" altLang="en-US" sz="1200" kern="1200" dirty="0">
                     <a:solidFill>
                       <a:schemeClr val="tx1"/>
@@ -7235,7 +6869,7 @@
                     <a:ea typeface="+mn-ea"/>
                     <a:cs typeface="+mn-cs"/>
                   </a:rPr>
-                  <a:t>于之前所讲的两个问题 第一 </a:t>
+                  <a:t>对应于之前所讲的两个问题 第一 </a:t>
                 </a:r>
                 <a:r>
                   <a:rPr lang="en-US" altLang="zh-CN" sz="1200" kern="1200" dirty="0" err="1">
@@ -9066,7 +8700,7 @@
                   </a:rPr>
                   <a:t> </a:t>
                 </a:r>
-                <a:endParaRPr lang="en-US" altLang="zh-CN" sz="1200" kern="1200" baseline="0" dirty="0" smtClean="0">
+                <a:endParaRPr lang="en-US" altLang="zh-CN" sz="1200" kern="1200" baseline="0" dirty="0">
                   <a:solidFill>
                     <a:schemeClr val="tx1"/>
                   </a:solidFill>
@@ -9095,7 +8729,7 @@
                   <a:defRPr/>
                 </a:pPr>
                 <a:r>
-                  <a:rPr lang="zh-CN" altLang="en-US" sz="1200" kern="1200" baseline="0" dirty="0" smtClean="0">
+                  <a:rPr lang="zh-CN" altLang="en-US" sz="1200" kern="1200" baseline="0" dirty="0">
                     <a:solidFill>
                       <a:schemeClr val="tx1"/>
                     </a:solidFill>
@@ -9107,7 +8741,7 @@
                   <a:t>因而 </a:t>
                 </a:r>
                 <a:r>
-                  <a:rPr lang="zh-CN" altLang="zh-CN" sz="1200" kern="1200" dirty="0" smtClean="0">
+                  <a:rPr lang="zh-CN" altLang="zh-CN" sz="1200" kern="1200" dirty="0">
                     <a:solidFill>
                       <a:schemeClr val="tx1"/>
                     </a:solidFill>
@@ -9332,19 +8966,7 @@
                     <a:ea typeface="+mn-ea"/>
                     <a:cs typeface="+mn-cs"/>
                   </a:rPr>
-                  <a:t> </a:t>
-                </a:r>
-                <a:r>
-                  <a:rPr lang="zh-CN" altLang="en-US" sz="1200" kern="1200" baseline="0" dirty="0" smtClean="0">
-                    <a:solidFill>
-                      <a:schemeClr val="tx1"/>
-                    </a:solidFill>
-                    <a:effectLst/>
-                    <a:latin typeface="+mn-lt"/>
-                    <a:ea typeface="+mn-ea"/>
-                    <a:cs typeface="+mn-cs"/>
-                  </a:rPr>
-                  <a:t>具体地 </a:t>
+                  <a:t> 具体地 </a:t>
                 </a:r>
                 <a:r>
                   <a:rPr lang="zh-CN" altLang="zh-CN" sz="1200" kern="1200" dirty="0">
@@ -9356,19 +8978,7 @@
                     <a:ea typeface="+mn-ea"/>
                     <a:cs typeface="+mn-cs"/>
                   </a:rPr>
-                  <a:t>本</a:t>
-                </a:r>
-                <a:r>
-                  <a:rPr lang="zh-CN" altLang="zh-CN" sz="1200" kern="1200" dirty="0" smtClean="0">
-                    <a:solidFill>
-                      <a:schemeClr val="tx1"/>
-                    </a:solidFill>
-                    <a:effectLst/>
-                    <a:latin typeface="+mn-lt"/>
-                    <a:ea typeface="+mn-ea"/>
-                    <a:cs typeface="+mn-cs"/>
-                  </a:rPr>
-                  <a:t>工作修改</a:t>
+                  <a:t>本工作修改</a:t>
                 </a:r>
                 <a:r>
                   <a:rPr lang="en-US" altLang="zh-CN" sz="1200" kern="1200" dirty="0" err="1">
@@ -14241,13 +13851,6 @@
   <p:clrMapOvr>
     <a:masterClrMapping/>
   </p:clrMapOvr>
-  <p:timing>
-    <p:tnLst>
-      <p:par>
-        <p:cTn id="1" dur="indefinite" restart="never" nodeType="tmRoot"/>
-      </p:par>
-    </p:tnLst>
-  </p:timing>
 </p:sld>
 </file>
 
@@ -14658,13 +14261,6 @@
   <p:clrMapOvr>
     <a:masterClrMapping/>
   </p:clrMapOvr>
-  <p:timing>
-    <p:tnLst>
-      <p:par>
-        <p:cTn id="1" dur="indefinite" restart="never" nodeType="tmRoot"/>
-      </p:par>
-    </p:tnLst>
-  </p:timing>
 </p:sld>
 </file>
 
@@ -15437,13 +15033,6 @@
   <p:clrMapOvr>
     <a:masterClrMapping/>
   </p:clrMapOvr>
-  <p:timing>
-    <p:tnLst>
-      <p:par>
-        <p:cTn id="1" dur="indefinite" restart="never" nodeType="tmRoot"/>
-      </p:par>
-    </p:tnLst>
-  </p:timing>
 </p:sld>
 </file>
 
@@ -16442,13 +16031,6 @@
   <p:clrMapOvr>
     <a:masterClrMapping/>
   </p:clrMapOvr>
-  <p:timing>
-    <p:tnLst>
-      <p:par>
-        <p:cTn id="1" dur="indefinite" restart="never" nodeType="tmRoot"/>
-      </p:par>
-    </p:tnLst>
-  </p:timing>
 </p:sld>
 </file>
 
@@ -17080,8 +16662,8 @@
         </p:blipFill>
         <p:spPr>
           <a:xfrm>
-            <a:off x="850514" y="4563105"/>
-            <a:ext cx="4635250" cy="1493235"/>
+            <a:off x="1121662" y="4639950"/>
+            <a:ext cx="4129449" cy="1330292"/>
           </a:xfrm>
           <a:prstGeom prst="rect">
             <a:avLst/>
@@ -17580,13 +17162,6 @@
   <p:clrMapOvr>
     <a:masterClrMapping/>
   </p:clrMapOvr>
-  <p:timing>
-    <p:tnLst>
-      <p:par>
-        <p:cTn id="1" dur="indefinite" restart="never" nodeType="tmRoot"/>
-      </p:par>
-    </p:tnLst>
-  </p:timing>
 </p:sld>
 </file>
 
@@ -18695,13 +18270,6 @@
   <p:clrMapOvr>
     <a:masterClrMapping/>
   </p:clrMapOvr>
-  <p:timing>
-    <p:tnLst>
-      <p:par>
-        <p:cTn id="1" dur="indefinite" restart="never" nodeType="tmRoot"/>
-      </p:par>
-    </p:tnLst>
-  </p:timing>
 </p:sld>
 </file>
 
@@ -18873,7 +18441,7 @@
         <p:spPr>
           <a:xfrm>
             <a:off x="693336" y="1536194"/>
-            <a:ext cx="11498664" cy="4246099"/>
+            <a:ext cx="11498664" cy="4984763"/>
           </a:xfrm>
           <a:prstGeom prst="rect">
             <a:avLst/>
@@ -18894,16 +18462,16 @@
               <a:buChar char="•"/>
             </a:pPr>
             <a:r>
-              <a:rPr lang="zh-CN" altLang="en-US" sz="2600" dirty="0">
+              <a:rPr lang="zh-CN" altLang="en-US" sz="3200" dirty="0">
                 <a:solidFill>
                   <a:schemeClr val="accent5">
                     <a:lumMod val="75000"/>
                   </a:schemeClr>
                 </a:solidFill>
               </a:rPr>
-              <a:t>选题背景</a:t>
-            </a:r>
-            <a:endParaRPr lang="en-US" altLang="zh-CN" sz="2600" dirty="0">
+              <a:t>背景</a:t>
+            </a:r>
+            <a:endParaRPr lang="en-US" altLang="zh-CN" sz="3200" dirty="0">
               <a:solidFill>
                 <a:schemeClr val="accent5">
                   <a:lumMod val="75000"/>
@@ -18920,46 +18488,16 @@
               <a:buChar char="•"/>
             </a:pPr>
             <a:r>
-              <a:rPr lang="en-US" altLang="zh-CN" sz="2600" dirty="0">
+              <a:rPr lang="zh-CN" altLang="en-US" sz="3200" dirty="0">
                 <a:solidFill>
                   <a:schemeClr val="accent5">
                     <a:lumMod val="75000"/>
                   </a:schemeClr>
                 </a:solidFill>
               </a:rPr>
-              <a:t>Aspect-level Collaborative Filtering model based on Metric Learning</a:t>
-            </a:r>
-            <a:r>
-              <a:rPr lang="zh-CN" altLang="en-US" sz="2600" dirty="0">
-                <a:solidFill>
-                  <a:schemeClr val="accent5">
-                    <a:lumMod val="75000"/>
-                  </a:schemeClr>
-                </a:solidFill>
-              </a:rPr>
-              <a:t>（</a:t>
-            </a:r>
-            <a:r>
-              <a:rPr lang="en-US" altLang="zh-CN" sz="2600" dirty="0">
-                <a:solidFill>
-                  <a:schemeClr val="accent5">
-                    <a:lumMod val="75000"/>
-                  </a:schemeClr>
-                </a:solidFill>
-              </a:rPr>
-              <a:t>ACFML</a:t>
-            </a:r>
-            <a:r>
-              <a:rPr lang="zh-CN" altLang="en-US" sz="2600" dirty="0">
-                <a:solidFill>
-                  <a:schemeClr val="accent5">
-                    <a:lumMod val="75000"/>
-                  </a:schemeClr>
-                </a:solidFill>
-              </a:rPr>
-              <a:t>）</a:t>
-            </a:r>
-            <a:endParaRPr lang="en-US" altLang="zh-CN" sz="2600" dirty="0">
+              <a:t>模型</a:t>
+            </a:r>
+            <a:endParaRPr lang="en-US" altLang="zh-CN" sz="3200" dirty="0">
               <a:solidFill>
                 <a:schemeClr val="accent5">
                   <a:lumMod val="75000"/>
@@ -18976,7 +18514,7 @@
               <a:buChar char="Ø"/>
             </a:pPr>
             <a:r>
-              <a:rPr lang="zh-CN" altLang="en-US" sz="2600" b="1" dirty="0">
+              <a:rPr lang="zh-CN" altLang="en-US" sz="3200" b="1" dirty="0">
                 <a:solidFill>
                   <a:schemeClr val="accent5">
                     <a:lumMod val="50000"/>
@@ -18985,7 +18523,7 @@
               </a:rPr>
               <a:t>实验</a:t>
             </a:r>
-            <a:endParaRPr lang="en-US" altLang="zh-CN" sz="2600" b="1" dirty="0">
+            <a:endParaRPr lang="en-US" altLang="zh-CN" sz="3200" b="1" dirty="0">
               <a:solidFill>
                 <a:schemeClr val="accent5">
                   <a:lumMod val="50000"/>
@@ -19002,7 +18540,7 @@
               <a:buChar char="•"/>
             </a:pPr>
             <a:r>
-              <a:rPr lang="zh-CN" altLang="en-US" sz="2600" dirty="0">
+              <a:rPr lang="zh-CN" altLang="en-US" sz="3200" dirty="0">
                 <a:solidFill>
                   <a:schemeClr val="accent5">
                     <a:lumMod val="75000"/>
@@ -19040,13 +18578,6 @@
   <p:clrMapOvr>
     <a:masterClrMapping/>
   </p:clrMapOvr>
-  <p:timing>
-    <p:tnLst>
-      <p:par>
-        <p:cTn id="1" dur="indefinite" restart="never" nodeType="tmRoot"/>
-      </p:par>
-    </p:tnLst>
-  </p:timing>
 </p:sld>
 </file>
 
@@ -19234,20 +18765,12 @@
               <a:t> </a:t>
             </a:r>
             <a:r>
-              <a:rPr lang="zh-CN" altLang="en-US" sz="4000" b="1" dirty="0" smtClean="0">
+              <a:rPr lang="zh-CN" altLang="en-US" sz="4000" b="1" dirty="0">
                 <a:solidFill>
                   <a:schemeClr val="bg1"/>
                 </a:solidFill>
               </a:rPr>
-              <a:t>数据</a:t>
-            </a:r>
-            <a:r>
-              <a:rPr lang="zh-CN" altLang="en-US" sz="4000" b="1" dirty="0">
-                <a:solidFill>
-                  <a:schemeClr val="bg1"/>
-                </a:solidFill>
-              </a:rPr>
-              <a:t>集</a:t>
+              <a:t>数据集</a:t>
             </a:r>
             <a:endParaRPr lang="zh-CN" altLang="en-US" sz="3800" b="1" dirty="0">
               <a:solidFill>
@@ -19590,13 +19113,6 @@
   <p:clrMapOvr>
     <a:masterClrMapping/>
   </p:clrMapOvr>
-  <p:timing>
-    <p:tnLst>
-      <p:par>
-        <p:cTn id="1" dur="indefinite" restart="never" nodeType="tmRoot"/>
-      </p:par>
-    </p:tnLst>
-  </p:timing>
 </p:sld>
 </file>
 
@@ -19835,7 +19351,7 @@
               <a:buChar char="•"/>
             </a:pPr>
             <a:r>
-              <a:rPr lang="en-US" altLang="zh-CN" sz="3200" dirty="0" smtClean="0">
+              <a:rPr lang="en-US" altLang="zh-CN" sz="3200" dirty="0">
                 <a:solidFill>
                   <a:schemeClr val="accent5">
                     <a:lumMod val="75000"/>
@@ -19845,7 +19361,7 @@
               <a:t>L</a:t>
             </a:r>
             <a:r>
-              <a:rPr lang="en" altLang="zh-CN" sz="3200" dirty="0" smtClean="0">
+              <a:rPr lang="en" altLang="zh-CN" sz="3200" dirty="0">
                 <a:solidFill>
                   <a:schemeClr val="accent5">
                     <a:lumMod val="75000"/>
@@ -19871,7 +19387,7 @@
               <a:buChar char="Ø"/>
             </a:pPr>
             <a:r>
-              <a:rPr kumimoji="1" lang="en-US" altLang="zh-CN" sz="2400" dirty="0" smtClean="0">
+              <a:rPr kumimoji="1" lang="en-US" altLang="zh-CN" sz="2400" dirty="0">
                 <a:solidFill>
                   <a:schemeClr val="accent5">
                     <a:lumMod val="75000"/>
@@ -19920,7 +19436,7 @@
               <a:buChar char="Ø"/>
             </a:pPr>
             <a:r>
-              <a:rPr kumimoji="1" lang="en-US" altLang="zh-CN" sz="2400" dirty="0" smtClean="0">
+              <a:rPr kumimoji="1" lang="en-US" altLang="zh-CN" sz="2400" dirty="0">
                 <a:solidFill>
                   <a:schemeClr val="accent5">
                     <a:lumMod val="75000"/>
@@ -19929,13 +19445,6 @@
               </a:rPr>
               <a:t>NDCG</a:t>
             </a:r>
-            <a:endParaRPr kumimoji="1" lang="en-US" altLang="zh-CN" sz="2400" dirty="0">
-              <a:solidFill>
-                <a:schemeClr val="accent5">
-                  <a:lumMod val="75000"/>
-                </a:schemeClr>
-              </a:solidFill>
-            </a:endParaRPr>
           </a:p>
         </p:txBody>
       </p:sp>
@@ -19997,13 +19506,6 @@
   <p:clrMapOvr>
     <a:masterClrMapping/>
   </p:clrMapOvr>
-  <p:timing>
-    <p:tnLst>
-      <p:par>
-        <p:cTn id="1" dur="indefinite" restart="never" nodeType="tmRoot"/>
-      </p:par>
-    </p:tnLst>
-  </p:timing>
 </p:sld>
 </file>
 
@@ -20191,12 +19693,12 @@
               <a:t> </a:t>
             </a:r>
             <a:r>
-              <a:rPr lang="en-US" altLang="zh-CN" sz="4000" b="1" dirty="0" smtClean="0">
+              <a:rPr lang="zh-CN" altLang="en-US" sz="4000" b="1" dirty="0">
                 <a:solidFill>
                   <a:schemeClr val="bg1"/>
                 </a:solidFill>
               </a:rPr>
-              <a:t>Baselines</a:t>
+              <a:t>基线方法</a:t>
             </a:r>
             <a:endParaRPr lang="zh-CN" altLang="en-US" sz="3800" b="1" dirty="0">
               <a:solidFill>
@@ -20242,7 +19744,7 @@
               <a:buChar char="•"/>
             </a:pPr>
             <a:r>
-              <a:rPr lang="en-US" altLang="zh-CN" sz="2800" dirty="0" err="1" smtClean="0">
+              <a:rPr lang="en-US" altLang="zh-CN" sz="2800" dirty="0" err="1">
                 <a:solidFill>
                   <a:schemeClr val="accent5">
                     <a:lumMod val="75000"/>
@@ -20251,7 +19753,7 @@
               </a:rPr>
               <a:t>NeuACF</a:t>
             </a:r>
-            <a:endParaRPr lang="en-US" altLang="zh-CN" sz="2800" dirty="0" smtClean="0">
+            <a:endParaRPr lang="en-US" altLang="zh-CN" sz="2800" dirty="0">
               <a:solidFill>
                 <a:schemeClr val="accent5">
                   <a:lumMod val="75000"/>
@@ -20268,7 +19770,7 @@
               <a:buChar char="•"/>
             </a:pPr>
             <a:r>
-              <a:rPr kumimoji="1" lang="en-US" altLang="zh-CN" sz="2800" dirty="0" err="1" smtClean="0">
+              <a:rPr kumimoji="1" lang="en-US" altLang="zh-CN" sz="2800" dirty="0" err="1">
                 <a:solidFill>
                   <a:schemeClr val="accent5">
                     <a:lumMod val="75000"/>
@@ -20278,7 +19780,7 @@
               <a:t>ItemPop</a:t>
             </a:r>
             <a:r>
-              <a:rPr kumimoji="1" lang="en-US" altLang="zh-CN" sz="2800" dirty="0" smtClean="0">
+              <a:rPr kumimoji="1" lang="en-US" altLang="zh-CN" sz="2800" dirty="0">
                 <a:solidFill>
                   <a:schemeClr val="accent5">
                     <a:lumMod val="75000"/>
@@ -20288,7 +19790,7 @@
               <a:t>	</a:t>
             </a:r>
             <a:r>
-              <a:rPr kumimoji="1" lang="en-US" altLang="zh-CN" sz="2800" dirty="0" err="1" smtClean="0">
+              <a:rPr kumimoji="1" lang="en-US" altLang="zh-CN" sz="2800" dirty="0" err="1">
                 <a:solidFill>
                   <a:schemeClr val="accent5">
                     <a:lumMod val="75000"/>
@@ -20297,7 +19799,7 @@
               </a:rPr>
               <a:t>ItemKNN</a:t>
             </a:r>
-            <a:endParaRPr kumimoji="1" lang="en-US" altLang="zh-CN" sz="2800" dirty="0" smtClean="0">
+            <a:endParaRPr kumimoji="1" lang="en-US" altLang="zh-CN" sz="2800" dirty="0">
               <a:solidFill>
                 <a:schemeClr val="accent5">
                   <a:lumMod val="75000"/>
@@ -20321,109 +19823,79 @@
                   </a:schemeClr>
                 </a:solidFill>
               </a:rPr>
-              <a:t>Matrix </a:t>
-            </a:r>
-            <a:r>
-              <a:rPr kumimoji="1" lang="en-US" altLang="zh-CN" sz="2800" dirty="0" smtClean="0">
+              <a:t>Matrix Factorization</a:t>
+            </a:r>
+            <a:r>
+              <a:rPr kumimoji="1" lang="zh-CN" altLang="en-US" sz="2800" dirty="0">
                 <a:solidFill>
                   <a:schemeClr val="accent5">
                     <a:lumMod val="75000"/>
                   </a:schemeClr>
                 </a:solidFill>
               </a:rPr>
-              <a:t>Factorization</a:t>
-            </a:r>
-            <a:r>
-              <a:rPr kumimoji="1" lang="zh-CN" altLang="en-US" sz="2800" dirty="0" smtClean="0">
+              <a:t>（</a:t>
+            </a:r>
+            <a:r>
+              <a:rPr kumimoji="1" lang="en-US" altLang="zh-CN" sz="2800" dirty="0">
                 <a:solidFill>
                   <a:schemeClr val="accent5">
                     <a:lumMod val="75000"/>
                   </a:schemeClr>
                 </a:solidFill>
               </a:rPr>
-              <a:t>（</a:t>
-            </a:r>
-            <a:r>
-              <a:rPr kumimoji="1" lang="en-US" altLang="zh-CN" sz="2800" dirty="0" smtClean="0">
+              <a:t>MF</a:t>
+            </a:r>
+            <a:r>
+              <a:rPr kumimoji="1" lang="zh-CN" altLang="en-US" sz="2800" dirty="0">
                 <a:solidFill>
                   <a:schemeClr val="accent5">
                     <a:lumMod val="75000"/>
                   </a:schemeClr>
                 </a:solidFill>
               </a:rPr>
-              <a:t>MF</a:t>
-            </a:r>
-            <a:r>
-              <a:rPr kumimoji="1" lang="zh-CN" altLang="en-US" sz="2800" dirty="0" smtClean="0">
+              <a:t>）</a:t>
+            </a:r>
+            <a:r>
+              <a:rPr kumimoji="1" lang="en-US" altLang="zh-CN" sz="2800" dirty="0">
                 <a:solidFill>
                   <a:schemeClr val="accent5">
                     <a:lumMod val="75000"/>
                   </a:schemeClr>
                 </a:solidFill>
               </a:rPr>
-              <a:t>）</a:t>
-            </a:r>
-            <a:r>
-              <a:rPr kumimoji="1" lang="en-US" altLang="zh-CN" sz="2800" dirty="0" smtClean="0">
+              <a:t>	element-wise Alternating Least Squares</a:t>
+            </a:r>
+            <a:r>
+              <a:rPr kumimoji="1" lang="zh-CN" altLang="en-US" sz="2800" dirty="0">
                 <a:solidFill>
                   <a:schemeClr val="accent5">
                     <a:lumMod val="75000"/>
                   </a:schemeClr>
                 </a:solidFill>
               </a:rPr>
-              <a:t>	element-wise </a:t>
-            </a:r>
-            <a:r>
-              <a:rPr kumimoji="1" lang="en-US" altLang="zh-CN" sz="2800" dirty="0">
+              <a:t>（</a:t>
+            </a:r>
+            <a:r>
+              <a:rPr kumimoji="1" lang="en-US" altLang="zh-CN" sz="2800" dirty="0" err="1">
                 <a:solidFill>
                   <a:schemeClr val="accent5">
                     <a:lumMod val="75000"/>
                   </a:schemeClr>
                 </a:solidFill>
               </a:rPr>
-              <a:t>Alternating Least </a:t>
-            </a:r>
-            <a:r>
-              <a:rPr kumimoji="1" lang="en-US" altLang="zh-CN" sz="2800" dirty="0" smtClean="0">
+              <a:t>eALS</a:t>
+            </a:r>
+            <a:r>
+              <a:rPr kumimoji="1" lang="zh-CN" altLang="en-US" sz="2800" dirty="0">
                 <a:solidFill>
                   <a:schemeClr val="accent5">
                     <a:lumMod val="75000"/>
                   </a:schemeClr>
                 </a:solidFill>
               </a:rPr>
-              <a:t>Squares</a:t>
-            </a:r>
-            <a:r>
-              <a:rPr kumimoji="1" lang="zh-CN" altLang="en-US" sz="2800" dirty="0" smtClean="0">
-                <a:solidFill>
-                  <a:schemeClr val="accent5">
-                    <a:lumMod val="75000"/>
-                  </a:schemeClr>
-                </a:solidFill>
-              </a:rPr>
-              <a:t>（</a:t>
-            </a:r>
-            <a:r>
-              <a:rPr kumimoji="1" lang="en-US" altLang="zh-CN" sz="2800" dirty="0" err="1" smtClean="0">
-                <a:solidFill>
-                  <a:schemeClr val="accent5">
-                    <a:lumMod val="75000"/>
-                  </a:schemeClr>
-                </a:solidFill>
-              </a:rPr>
-              <a:t>eALS</a:t>
-            </a:r>
-            <a:r>
-              <a:rPr kumimoji="1" lang="zh-CN" altLang="en-US" sz="2800" dirty="0" smtClean="0">
-                <a:solidFill>
-                  <a:schemeClr val="accent5">
-                    <a:lumMod val="75000"/>
-                  </a:schemeClr>
-                </a:solidFill>
-              </a:rPr>
               <a:t>）</a:t>
             </a:r>
-            <a:endParaRPr kumimoji="1" lang="en-US" altLang="zh-CN" sz="2800" dirty="0" smtClean="0">
+            <a:endParaRPr kumimoji="1" lang="en-US" altLang="zh-CN" sz="2800" dirty="0">
               <a:solidFill>
                 <a:schemeClr val="accent5">
                   <a:lumMod val="75000"/>
@@ -20447,49 +19919,39 @@
                   </a:schemeClr>
                 </a:solidFill>
               </a:rPr>
-              <a:t>Bayesian Personalized </a:t>
-            </a:r>
-            <a:r>
-              <a:rPr kumimoji="1" lang="en-US" altLang="zh-CN" sz="2800" dirty="0" smtClean="0">
+              <a:t>Bayesian Personalized Ranking</a:t>
+            </a:r>
+            <a:r>
+              <a:rPr kumimoji="1" lang="zh-CN" altLang="en-US" sz="2800" dirty="0">
                 <a:solidFill>
                   <a:schemeClr val="accent5">
                     <a:lumMod val="75000"/>
                   </a:schemeClr>
                 </a:solidFill>
               </a:rPr>
-              <a:t>Ranking</a:t>
-            </a:r>
-            <a:r>
-              <a:rPr kumimoji="1" lang="zh-CN" altLang="en-US" sz="2800" dirty="0" smtClean="0">
+              <a:t>（</a:t>
+            </a:r>
+            <a:r>
+              <a:rPr kumimoji="1" lang="en-US" altLang="zh-CN" sz="2800" dirty="0">
                 <a:solidFill>
                   <a:schemeClr val="accent5">
                     <a:lumMod val="75000"/>
                   </a:schemeClr>
                 </a:solidFill>
               </a:rPr>
-              <a:t>（</a:t>
-            </a:r>
-            <a:r>
-              <a:rPr kumimoji="1" lang="en-US" altLang="zh-CN" sz="2800" dirty="0" smtClean="0">
+              <a:t>BPR</a:t>
+            </a:r>
+            <a:r>
+              <a:rPr kumimoji="1" lang="zh-CN" altLang="en-US" sz="2800" dirty="0">
                 <a:solidFill>
                   <a:schemeClr val="accent5">
                     <a:lumMod val="75000"/>
                   </a:schemeClr>
                 </a:solidFill>
               </a:rPr>
-              <a:t>BPR</a:t>
-            </a:r>
-            <a:r>
-              <a:rPr kumimoji="1" lang="zh-CN" altLang="en-US" sz="2800" dirty="0" smtClean="0">
-                <a:solidFill>
-                  <a:schemeClr val="accent5">
-                    <a:lumMod val="75000"/>
-                  </a:schemeClr>
-                </a:solidFill>
-              </a:rPr>
               <a:t>）</a:t>
             </a:r>
-            <a:endParaRPr kumimoji="1" lang="en-US" altLang="zh-CN" sz="2800" dirty="0" smtClean="0">
+            <a:endParaRPr kumimoji="1" lang="en-US" altLang="zh-CN" sz="2800" dirty="0">
               <a:solidFill>
                 <a:schemeClr val="accent5">
                   <a:lumMod val="75000"/>
@@ -20513,49 +19975,39 @@
                   </a:schemeClr>
                 </a:solidFill>
               </a:rPr>
-              <a:t>Deep Matrix Factorization </a:t>
-            </a:r>
-            <a:r>
-              <a:rPr kumimoji="1" lang="en-US" altLang="zh-CN" sz="2800" dirty="0" smtClean="0">
+              <a:t>Deep Matrix Factorization Models</a:t>
+            </a:r>
+            <a:r>
+              <a:rPr kumimoji="1" lang="zh-CN" altLang="en-US" sz="2800" dirty="0">
                 <a:solidFill>
                   <a:schemeClr val="accent5">
                     <a:lumMod val="75000"/>
                   </a:schemeClr>
                 </a:solidFill>
               </a:rPr>
-              <a:t>Models</a:t>
-            </a:r>
-            <a:r>
-              <a:rPr kumimoji="1" lang="zh-CN" altLang="en-US" sz="2800" dirty="0" smtClean="0">
+              <a:t>（</a:t>
+            </a:r>
+            <a:r>
+              <a:rPr kumimoji="1" lang="en-US" altLang="zh-CN" sz="2800" dirty="0">
                 <a:solidFill>
                   <a:schemeClr val="accent5">
                     <a:lumMod val="75000"/>
                   </a:schemeClr>
                 </a:solidFill>
               </a:rPr>
-              <a:t>（</a:t>
-            </a:r>
-            <a:r>
-              <a:rPr kumimoji="1" lang="en-US" altLang="zh-CN" sz="2800" dirty="0" smtClean="0">
+              <a:t>DMF</a:t>
+            </a:r>
+            <a:r>
+              <a:rPr kumimoji="1" lang="zh-CN" altLang="en-US" sz="2800" dirty="0">
                 <a:solidFill>
                   <a:schemeClr val="accent5">
                     <a:lumMod val="75000"/>
                   </a:schemeClr>
                 </a:solidFill>
               </a:rPr>
-              <a:t>DMF</a:t>
-            </a:r>
-            <a:r>
-              <a:rPr kumimoji="1" lang="zh-CN" altLang="en-US" sz="2800" dirty="0" smtClean="0">
-                <a:solidFill>
-                  <a:schemeClr val="accent5">
-                    <a:lumMod val="75000"/>
-                  </a:schemeClr>
-                </a:solidFill>
-              </a:rPr>
               <a:t>）</a:t>
             </a:r>
-            <a:endParaRPr kumimoji="1" lang="en-US" altLang="zh-CN" sz="2800" dirty="0" smtClean="0">
+            <a:endParaRPr kumimoji="1" lang="en-US" altLang="zh-CN" sz="2800" dirty="0">
               <a:solidFill>
                 <a:schemeClr val="accent5">
                   <a:lumMod val="75000"/>
@@ -20572,7 +20024,7 @@
               <a:buChar char="•"/>
             </a:pPr>
             <a:r>
-              <a:rPr kumimoji="1" lang="en-US" altLang="zh-CN" sz="2800" dirty="0" smtClean="0">
+              <a:rPr kumimoji="1" lang="en-US" altLang="zh-CN" sz="2800" dirty="0">
                 <a:solidFill>
                   <a:schemeClr val="accent5">
                     <a:lumMod val="75000"/>
@@ -20599,40 +20051,30 @@
                   </a:schemeClr>
                 </a:solidFill>
               </a:rPr>
-              <a:t> Collaborative </a:t>
-            </a:r>
-            <a:r>
-              <a:rPr kumimoji="1" lang="en-US" altLang="zh-CN" sz="2800" dirty="0" smtClean="0">
+              <a:t> Collaborative Filtering</a:t>
+            </a:r>
+            <a:r>
+              <a:rPr kumimoji="1" lang="zh-CN" altLang="en-US" sz="2800" dirty="0">
                 <a:solidFill>
                   <a:schemeClr val="accent5">
                     <a:lumMod val="75000"/>
                   </a:schemeClr>
                 </a:solidFill>
               </a:rPr>
-              <a:t>Filtering</a:t>
-            </a:r>
-            <a:r>
-              <a:rPr kumimoji="1" lang="zh-CN" altLang="en-US" sz="2800" dirty="0" smtClean="0">
+              <a:t>（</a:t>
+            </a:r>
+            <a:r>
+              <a:rPr kumimoji="1" lang="en-US" altLang="zh-CN" sz="2800" dirty="0">
                 <a:solidFill>
                   <a:schemeClr val="accent5">
                     <a:lumMod val="75000"/>
                   </a:schemeClr>
                 </a:solidFill>
               </a:rPr>
-              <a:t>（</a:t>
-            </a:r>
-            <a:r>
-              <a:rPr kumimoji="1" lang="en-US" altLang="zh-CN" sz="2800" dirty="0" smtClean="0">
-                <a:solidFill>
-                  <a:schemeClr val="accent5">
-                    <a:lumMod val="75000"/>
-                  </a:schemeClr>
-                </a:solidFill>
-              </a:rPr>
               <a:t>NCF</a:t>
             </a:r>
             <a:r>
-              <a:rPr kumimoji="1" lang="zh-CN" altLang="en-US" sz="2800" dirty="0" smtClean="0">
+              <a:rPr kumimoji="1" lang="zh-CN" altLang="en-US" sz="2800" dirty="0">
                 <a:solidFill>
                   <a:schemeClr val="accent5">
                     <a:lumMod val="75000"/>
@@ -20661,13 +20103,6 @@
   <p:clrMapOvr>
     <a:masterClrMapping/>
   </p:clrMapOvr>
-  <p:timing>
-    <p:tnLst>
-      <p:par>
-        <p:cTn id="1" dur="indefinite" restart="never" nodeType="tmRoot"/>
-      </p:par>
-    </p:tnLst>
-  </p:timing>
 </p:sld>
 </file>
 
@@ -20904,13 +20339,6 @@
   <p:clrMapOvr>
     <a:masterClrMapping/>
   </p:clrMapOvr>
-  <p:timing>
-    <p:tnLst>
-      <p:par>
-        <p:cTn id="1" dur="indefinite" restart="never" nodeType="tmRoot"/>
-      </p:par>
-    </p:tnLst>
-  </p:timing>
 </p:sld>
 </file>
 
@@ -21076,7 +20504,7 @@
         <p:spPr>
           <a:xfrm>
             <a:off x="693337" y="1549659"/>
-            <a:ext cx="11498663" cy="3005118"/>
+            <a:ext cx="11498663" cy="3886064"/>
           </a:xfrm>
           <a:prstGeom prst="rect">
             <a:avLst/>
@@ -21097,16 +20525,16 @@
               <a:buChar char="Ø"/>
             </a:pPr>
             <a:r>
-              <a:rPr lang="zh-CN" altLang="en-US" sz="2600" b="1" dirty="0">
+              <a:rPr lang="zh-CN" altLang="en-US" sz="3200" b="1" dirty="0">
                 <a:solidFill>
                   <a:schemeClr val="accent5">
                     <a:lumMod val="50000"/>
                   </a:schemeClr>
                 </a:solidFill>
               </a:rPr>
-              <a:t>选题背景</a:t>
-            </a:r>
-            <a:endParaRPr lang="en-US" altLang="zh-CN" sz="2600" dirty="0">
+              <a:t>背景</a:t>
+            </a:r>
+            <a:endParaRPr lang="en-US" altLang="zh-CN" sz="3200" dirty="0">
               <a:solidFill>
                 <a:schemeClr val="accent5">
                   <a:lumMod val="75000"/>
@@ -21123,46 +20551,16 @@
               <a:buChar char="•"/>
             </a:pPr>
             <a:r>
-              <a:rPr lang="en-US" altLang="zh-CN" sz="2400" dirty="0">
+              <a:rPr lang="zh-CN" altLang="en-US" sz="3200" dirty="0">
                 <a:solidFill>
                   <a:schemeClr val="accent5">
                     <a:lumMod val="75000"/>
                   </a:schemeClr>
                 </a:solidFill>
               </a:rPr>
-              <a:t>Aspect-level Collaborative Filtering model based on Metric Learning</a:t>
-            </a:r>
-            <a:r>
-              <a:rPr lang="zh-CN" altLang="en-US" sz="2400" dirty="0">
-                <a:solidFill>
-                  <a:schemeClr val="accent5">
-                    <a:lumMod val="75000"/>
-                  </a:schemeClr>
-                </a:solidFill>
-              </a:rPr>
-              <a:t>（</a:t>
-            </a:r>
-            <a:r>
-              <a:rPr lang="en-US" altLang="zh-CN" sz="2400" dirty="0">
-                <a:solidFill>
-                  <a:schemeClr val="accent5">
-                    <a:lumMod val="75000"/>
-                  </a:schemeClr>
-                </a:solidFill>
-              </a:rPr>
-              <a:t>ACFML</a:t>
-            </a:r>
-            <a:r>
-              <a:rPr lang="zh-CN" altLang="en-US" sz="2400" dirty="0">
-                <a:solidFill>
-                  <a:schemeClr val="accent5">
-                    <a:lumMod val="75000"/>
-                  </a:schemeClr>
-                </a:solidFill>
-              </a:rPr>
-              <a:t>）</a:t>
-            </a:r>
-            <a:endParaRPr lang="en-US" altLang="zh-CN" sz="2400" dirty="0">
+              <a:t>模型</a:t>
+            </a:r>
+            <a:endParaRPr lang="en-US" altLang="zh-CN" sz="3200" dirty="0">
               <a:solidFill>
                 <a:schemeClr val="accent5">
                   <a:lumMod val="75000"/>
@@ -21179,7 +20577,7 @@
               <a:buChar char="•"/>
             </a:pPr>
             <a:r>
-              <a:rPr lang="zh-CN" altLang="en-US" sz="2400" dirty="0">
+              <a:rPr lang="zh-CN" altLang="en-US" sz="3200" dirty="0">
                 <a:solidFill>
                   <a:schemeClr val="accent5">
                     <a:lumMod val="75000"/>
@@ -21188,7 +20586,7 @@
               </a:rPr>
               <a:t>实验</a:t>
             </a:r>
-            <a:endParaRPr lang="en-US" altLang="zh-CN" sz="2400" dirty="0">
+            <a:endParaRPr lang="en-US" altLang="zh-CN" sz="3200" dirty="0">
               <a:solidFill>
                 <a:schemeClr val="accent5">
                   <a:lumMod val="75000"/>
@@ -21205,7 +20603,7 @@
               <a:buChar char="•"/>
             </a:pPr>
             <a:r>
-              <a:rPr lang="zh-CN" altLang="en-US" sz="2400" dirty="0">
+              <a:rPr lang="zh-CN" altLang="en-US" sz="3200" dirty="0">
                 <a:solidFill>
                   <a:schemeClr val="accent5">
                     <a:lumMod val="75000"/>
@@ -21214,7 +20612,7 @@
               </a:rPr>
               <a:t>总结</a:t>
             </a:r>
-            <a:endParaRPr lang="en-US" altLang="zh-CN" sz="2400" dirty="0">
+            <a:endParaRPr lang="en-US" altLang="zh-CN" sz="3200" dirty="0">
               <a:solidFill>
                 <a:schemeClr val="accent5">
                   <a:lumMod val="75000"/>
@@ -21234,13 +20632,6 @@
   <p:clrMapOvr>
     <a:masterClrMapping/>
   </p:clrMapOvr>
-  <p:timing>
-    <p:tnLst>
-      <p:par>
-        <p:cTn id="1" dur="indefinite" restart="never" nodeType="tmRoot"/>
-      </p:par>
-    </p:tnLst>
-  </p:timing>
 </p:sld>
 </file>
 
@@ -21525,13 +20916,6 @@
   <p:clrMapOvr>
     <a:masterClrMapping/>
   </p:clrMapOvr>
-  <p:timing>
-    <p:tnLst>
-      <p:par>
-        <p:cTn id="1" dur="indefinite" restart="never" nodeType="tmRoot"/>
-      </p:par>
-    </p:tnLst>
-  </p:timing>
 </p:sld>
 </file>
 
@@ -21703,7 +21087,7 @@
         <p:spPr>
           <a:xfrm>
             <a:off x="693336" y="1536194"/>
-            <a:ext cx="11498664" cy="3174652"/>
+            <a:ext cx="11498664" cy="3886064"/>
           </a:xfrm>
           <a:prstGeom prst="rect">
             <a:avLst/>
@@ -21724,16 +21108,16 @@
               <a:buChar char="•"/>
             </a:pPr>
             <a:r>
-              <a:rPr lang="zh-CN" altLang="en-US" sz="2600" dirty="0">
+              <a:rPr lang="zh-CN" altLang="en-US" sz="3200" dirty="0">
                 <a:solidFill>
                   <a:schemeClr val="accent5">
                     <a:lumMod val="75000"/>
                   </a:schemeClr>
                 </a:solidFill>
               </a:rPr>
-              <a:t>选题背景</a:t>
-            </a:r>
-            <a:endParaRPr lang="en-US" altLang="zh-CN" sz="2600" dirty="0">
+              <a:t>背景</a:t>
+            </a:r>
+            <a:endParaRPr lang="en-US" altLang="zh-CN" sz="3200" dirty="0">
               <a:solidFill>
                 <a:schemeClr val="accent5">
                   <a:lumMod val="75000"/>
@@ -21750,46 +21134,16 @@
               <a:buChar char="•"/>
             </a:pPr>
             <a:r>
-              <a:rPr lang="en-US" altLang="zh-CN" sz="2600" dirty="0">
+              <a:rPr lang="zh-CN" altLang="en-US" sz="3200" dirty="0">
                 <a:solidFill>
                   <a:schemeClr val="accent5">
                     <a:lumMod val="75000"/>
                   </a:schemeClr>
                 </a:solidFill>
               </a:rPr>
-              <a:t>Aspect-level Collaborative Filtering model based on Metric Learning</a:t>
-            </a:r>
-            <a:r>
-              <a:rPr lang="zh-CN" altLang="en-US" sz="2600" dirty="0">
-                <a:solidFill>
-                  <a:schemeClr val="accent5">
-                    <a:lumMod val="75000"/>
-                  </a:schemeClr>
-                </a:solidFill>
-              </a:rPr>
-              <a:t>（</a:t>
-            </a:r>
-            <a:r>
-              <a:rPr lang="en-US" altLang="zh-CN" sz="2600" dirty="0">
-                <a:solidFill>
-                  <a:schemeClr val="accent5">
-                    <a:lumMod val="75000"/>
-                  </a:schemeClr>
-                </a:solidFill>
-              </a:rPr>
-              <a:t>ACFML</a:t>
-            </a:r>
-            <a:r>
-              <a:rPr lang="zh-CN" altLang="en-US" sz="2600" dirty="0">
-                <a:solidFill>
-                  <a:schemeClr val="accent5">
-                    <a:lumMod val="75000"/>
-                  </a:schemeClr>
-                </a:solidFill>
-              </a:rPr>
-              <a:t>）</a:t>
-            </a:r>
-            <a:endParaRPr lang="en-US" altLang="zh-CN" sz="2600" dirty="0">
+              <a:t>模型</a:t>
+            </a:r>
+            <a:endParaRPr lang="en-US" altLang="zh-CN" sz="3200" dirty="0">
               <a:solidFill>
                 <a:schemeClr val="accent5">
                   <a:lumMod val="75000"/>
@@ -21806,7 +21160,7 @@
               <a:buChar char="•"/>
             </a:pPr>
             <a:r>
-              <a:rPr lang="zh-CN" altLang="en-US" sz="2600" dirty="0">
+              <a:rPr lang="zh-CN" altLang="en-US" sz="3200" dirty="0">
                 <a:solidFill>
                   <a:schemeClr val="accent5">
                     <a:lumMod val="75000"/>
@@ -21815,7 +21169,7 @@
               </a:rPr>
               <a:t>实验</a:t>
             </a:r>
-            <a:endParaRPr lang="en-US" altLang="zh-CN" sz="2600" dirty="0">
+            <a:endParaRPr lang="en-US" altLang="zh-CN" sz="3200" dirty="0">
               <a:solidFill>
                 <a:schemeClr val="accent5">
                   <a:lumMod val="75000"/>
@@ -21832,7 +21186,7 @@
               <a:buChar char="Ø"/>
             </a:pPr>
             <a:r>
-              <a:rPr lang="zh-CN" altLang="en-US" sz="2600" b="1" dirty="0">
+              <a:rPr lang="zh-CN" altLang="en-US" sz="3200" b="1" dirty="0">
                 <a:solidFill>
                   <a:schemeClr val="accent5">
                     <a:lumMod val="50000"/>
@@ -21841,7 +21195,7 @@
               </a:rPr>
               <a:t>总结</a:t>
             </a:r>
-            <a:endParaRPr lang="en-US" altLang="zh-CN" sz="2600" b="1" dirty="0">
+            <a:endParaRPr lang="en-US" altLang="zh-CN" sz="3200" b="1" dirty="0">
               <a:solidFill>
                 <a:schemeClr val="accent5">
                   <a:lumMod val="50000"/>
@@ -21861,13 +21215,6 @@
   <p:clrMapOvr>
     <a:masterClrMapping/>
   </p:clrMapOvr>
-  <p:timing>
-    <p:tnLst>
-      <p:par>
-        <p:cTn id="1" dur="indefinite" restart="never" nodeType="tmRoot"/>
-      </p:par>
-    </p:tnLst>
-  </p:timing>
 </p:sld>
 </file>
 
@@ -22227,11 +21574,6 @@
               </a:rPr>
               <a:t>主要成果</a:t>
             </a:r>
-            <a:endParaRPr lang="zh-CN" altLang="en-US" dirty="0">
-              <a:solidFill>
-                <a:srgbClr val="245587"/>
-              </a:solidFill>
-            </a:endParaRPr>
           </a:p>
           <a:p>
             <a:pPr lvl="1">
@@ -22267,7 +21609,7 @@
               <a:buChar char="Ø"/>
             </a:pPr>
             <a:r>
-              <a:rPr lang="zh-CN" altLang="en-US" dirty="0" smtClean="0">
+              <a:rPr lang="zh-CN" altLang="en-US" dirty="0">
                 <a:solidFill>
                   <a:srgbClr val="245587"/>
                 </a:solidFill>
@@ -22275,7 +21617,7 @@
               <a:t>利用 </a:t>
             </a:r>
             <a:r>
-              <a:rPr lang="en-US" altLang="zh-CN" dirty="0" smtClean="0">
+              <a:rPr lang="en-US" altLang="zh-CN" dirty="0">
                 <a:solidFill>
                   <a:srgbClr val="245587"/>
                 </a:solidFill>
@@ -22283,14 +21625,14 @@
               <a:t>pair-wise </a:t>
             </a:r>
             <a:r>
-              <a:rPr lang="zh-CN" altLang="en-US" dirty="0" smtClean="0">
+              <a:rPr lang="zh-CN" altLang="en-US" dirty="0">
                 <a:solidFill>
                   <a:srgbClr val="245587"/>
                 </a:solidFill>
               </a:rPr>
               <a:t>损失函数</a:t>
             </a:r>
-            <a:endParaRPr lang="en-US" altLang="zh-CN" dirty="0" smtClean="0">
+            <a:endParaRPr lang="en-US" altLang="zh-CN" dirty="0">
               <a:solidFill>
                 <a:srgbClr val="245587"/>
               </a:solidFill>
@@ -22305,7 +21647,7 @@
               <a:buChar char="Ø"/>
             </a:pPr>
             <a:r>
-              <a:rPr lang="zh-CN" altLang="en-US" dirty="0" smtClean="0">
+              <a:rPr lang="zh-CN" altLang="en-US" dirty="0">
                 <a:solidFill>
                   <a:srgbClr val="245587"/>
                 </a:solidFill>
@@ -22516,18 +21858,13 @@
               </a:lnSpc>
             </a:pPr>
             <a:r>
-              <a:rPr lang="zh-CN" altLang="en-US" dirty="0" smtClean="0">
+              <a:rPr lang="zh-CN" altLang="en-US" dirty="0">
                 <a:solidFill>
                   <a:srgbClr val="245587"/>
                 </a:solidFill>
               </a:rPr>
               <a:t>未来工作</a:t>
             </a:r>
-            <a:endParaRPr lang="zh-CN" altLang="en-US" dirty="0">
-              <a:solidFill>
-                <a:srgbClr val="245587"/>
-              </a:solidFill>
-            </a:endParaRPr>
           </a:p>
           <a:p>
             <a:pPr lvl="1">
@@ -22538,7 +21875,7 @@
               <a:buChar char="Ø"/>
             </a:pPr>
             <a:r>
-              <a:rPr lang="zh-CN" altLang="en-US" dirty="0" smtClean="0">
+              <a:rPr lang="zh-CN" altLang="en-US" dirty="0">
                 <a:solidFill>
                   <a:srgbClr val="245587"/>
                 </a:solidFill>
@@ -22585,13 +21922,6 @@
   <p:clrMapOvr>
     <a:masterClrMapping/>
   </p:clrMapOvr>
-  <p:timing>
-    <p:tnLst>
-      <p:par>
-        <p:cTn id="1" dur="indefinite" restart="never" nodeType="tmRoot"/>
-      </p:par>
-    </p:tnLst>
-  </p:timing>
 </p:sld>
 </file>
 
@@ -23212,13 +22542,6 @@
   <p:clrMapOvr>
     <a:masterClrMapping/>
   </p:clrMapOvr>
-  <p:timing>
-    <p:tnLst>
-      <p:par>
-        <p:cTn id="1" dur="indefinite" restart="never" nodeType="tmRoot"/>
-      </p:par>
-    </p:tnLst>
-  </p:timing>
 </p:sld>
 </file>
 
@@ -23399,20 +22722,12 @@
           <a:p>
             <a:pPr lvl="0"/>
             <a:r>
-              <a:rPr lang="zh-CN" altLang="en-US" sz="4000" b="1" dirty="0" smtClean="0">
+              <a:rPr lang="zh-CN" altLang="en-US" sz="4000" b="1" dirty="0">
                 <a:solidFill>
                   <a:prstClr val="white"/>
                 </a:solidFill>
               </a:rPr>
-              <a:t> 推荐</a:t>
-            </a:r>
-            <a:r>
-              <a:rPr lang="zh-CN" altLang="en-US" sz="4000" b="1" dirty="0">
-                <a:solidFill>
-                  <a:prstClr val="white"/>
-                </a:solidFill>
-              </a:rPr>
-              <a:t>系统</a:t>
+              <a:t> 推荐系统</a:t>
             </a:r>
             <a:endParaRPr lang="zh-CN" altLang="en-US" sz="3800" b="1" dirty="0">
               <a:solidFill>
@@ -23683,13 +22998,6 @@
   <p:clrMapOvr>
     <a:masterClrMapping/>
   </p:clrMapOvr>
-  <p:timing>
-    <p:tnLst>
-      <p:par>
-        <p:cTn id="1" dur="indefinite" restart="never" nodeType="tmRoot"/>
-      </p:par>
-    </p:tnLst>
-  </p:timing>
 </p:sld>
 </file>
 
@@ -23762,7 +23070,7 @@
           <a:p>
             <a:pPr lvl="0"/>
             <a:r>
-              <a:rPr lang="en-US" altLang="zh-CN" sz="4000" b="1" dirty="0" smtClean="0">
+              <a:rPr lang="en-US" altLang="zh-CN" sz="4000" b="1" dirty="0">
                 <a:solidFill>
                   <a:prstClr val="white"/>
                 </a:solidFill>
@@ -23770,7 +23078,7 @@
               <a:t> </a:t>
             </a:r>
             <a:r>
-              <a:rPr lang="en-US" altLang="zh-CN" sz="4000" b="1" dirty="0" err="1" smtClean="0">
+              <a:rPr lang="en-US" altLang="zh-CN" sz="4000" b="1" dirty="0" err="1">
                 <a:solidFill>
                   <a:prstClr val="white"/>
                 </a:solidFill>
@@ -24687,13 +23995,6 @@
   <p:clrMapOvr>
     <a:masterClrMapping/>
   </p:clrMapOvr>
-  <p:timing>
-    <p:tnLst>
-      <p:par>
-        <p:cTn id="1" dur="indefinite" restart="never" nodeType="tmRoot"/>
-      </p:par>
-    </p:tnLst>
-  </p:timing>
 </p:sld>
 </file>
 
@@ -24843,52 +24144,6 @@
               <a:t>5</a:t>
             </a:fld>
             <a:endParaRPr lang="zh-CN" altLang="en-US" sz="2000" b="1" dirty="0">
-              <a:solidFill>
-                <a:schemeClr val="bg1"/>
-              </a:solidFill>
-            </a:endParaRPr>
-          </a:p>
-        </p:txBody>
-      </p:sp>
-      <p:sp>
-        <p:nvSpPr>
-          <p:cNvPr id="9" name="文本框 8"/>
-          <p:cNvSpPr txBox="1"/>
-          <p:nvPr/>
-        </p:nvSpPr>
-        <p:spPr>
-          <a:xfrm>
-            <a:off x="1" y="168571"/>
-            <a:ext cx="12192000" cy="677108"/>
-          </a:xfrm>
-          <a:prstGeom prst="rect">
-            <a:avLst/>
-          </a:prstGeom>
-          <a:noFill/>
-        </p:spPr>
-        <p:txBody>
-          <a:bodyPr wrap="square" rtlCol="0">
-            <a:spAutoFit/>
-          </a:bodyPr>
-          <a:lstStyle/>
-          <a:p>
-            <a:r>
-              <a:rPr lang="en-US" altLang="zh-CN" sz="3800" b="1" dirty="0" smtClean="0">
-                <a:solidFill>
-                  <a:schemeClr val="bg1"/>
-                </a:solidFill>
-              </a:rPr>
-              <a:t> </a:t>
-            </a:r>
-            <a:r>
-              <a:rPr lang="en-US" altLang="zh-CN" sz="3800" b="1" dirty="0" err="1" smtClean="0">
-                <a:solidFill>
-                  <a:schemeClr val="bg1"/>
-                </a:solidFill>
-              </a:rPr>
-              <a:t>NeuACF</a:t>
-            </a:r>
-            <a:endParaRPr lang="en-US" altLang="zh-CN" sz="3800" b="1" dirty="0">
               <a:solidFill>
                 <a:schemeClr val="bg1"/>
               </a:solidFill>
@@ -25313,6 +24568,59 @@
           </p:txBody>
         </p:sp>
       </p:grpSp>
+      <p:sp>
+        <p:nvSpPr>
+          <p:cNvPr id="14" name="文本框 13">
+            <a:extLst>
+              <a:ext uri="{FF2B5EF4-FFF2-40B4-BE49-F238E27FC236}">
+                <a16:creationId xmlns:a16="http://schemas.microsoft.com/office/drawing/2014/main" id="{2B9E9FC7-F70C-074A-9C1F-9F5CA2D35E6D}"/>
+              </a:ext>
+            </a:extLst>
+          </p:cNvPr>
+          <p:cNvSpPr txBox="1"/>
+          <p:nvPr/>
+        </p:nvSpPr>
+        <p:spPr>
+          <a:xfrm>
+            <a:off x="1" y="107015"/>
+            <a:ext cx="12192000" cy="707886"/>
+          </a:xfrm>
+          <a:prstGeom prst="rect">
+            <a:avLst/>
+          </a:prstGeom>
+          <a:noFill/>
+        </p:spPr>
+        <p:txBody>
+          <a:bodyPr wrap="square" rtlCol="0">
+            <a:spAutoFit/>
+          </a:bodyPr>
+          <a:lstStyle/>
+          <a:p>
+            <a:pPr lvl="0"/>
+            <a:r>
+              <a:rPr lang="en-US" altLang="zh-CN" sz="4000" b="1" dirty="0">
+                <a:solidFill>
+                  <a:prstClr val="white"/>
+                </a:solidFill>
+              </a:rPr>
+              <a:t> </a:t>
+            </a:r>
+            <a:r>
+              <a:rPr lang="en-US" altLang="zh-CN" sz="4000" b="1" dirty="0" err="1">
+                <a:solidFill>
+                  <a:prstClr val="white"/>
+                </a:solidFill>
+              </a:rPr>
+              <a:t>NeuACF</a:t>
+            </a:r>
+            <a:endParaRPr lang="en-US" altLang="zh-CN" sz="4000" b="1" dirty="0">
+              <a:solidFill>
+                <a:prstClr val="white"/>
+              </a:solidFill>
+            </a:endParaRPr>
+          </a:p>
+        </p:txBody>
+      </p:sp>
     </p:spTree>
     <p:extLst>
       <p:ext uri="{BB962C8B-B14F-4D97-AF65-F5344CB8AC3E}">
@@ -25323,13 +24631,6 @@
   <p:clrMapOvr>
     <a:masterClrMapping/>
   </p:clrMapOvr>
-  <p:timing>
-    <p:tnLst>
-      <p:par>
-        <p:cTn id="1" dur="indefinite" restart="never" nodeType="tmRoot"/>
-      </p:par>
-    </p:tnLst>
-  </p:timing>
 </p:sld>
 </file>
 
@@ -25501,7 +24802,7 @@
         <p:spPr>
           <a:xfrm>
             <a:off x="693336" y="1536194"/>
-            <a:ext cx="11498664" cy="4246099"/>
+            <a:ext cx="11498664" cy="4984763"/>
           </a:xfrm>
           <a:prstGeom prst="rect">
             <a:avLst/>
@@ -25522,16 +24823,16 @@
               <a:buChar char="•"/>
             </a:pPr>
             <a:r>
-              <a:rPr lang="zh-CN" altLang="en-US" sz="2600" dirty="0">
+              <a:rPr lang="zh-CN" altLang="en-US" sz="3200" dirty="0">
                 <a:solidFill>
                   <a:schemeClr val="accent5">
                     <a:lumMod val="75000"/>
                   </a:schemeClr>
                 </a:solidFill>
               </a:rPr>
-              <a:t>选题背景</a:t>
-            </a:r>
-            <a:endParaRPr lang="en-US" altLang="zh-CN" sz="2600" dirty="0">
+              <a:t>背景</a:t>
+            </a:r>
+            <a:endParaRPr lang="en-US" altLang="zh-CN" sz="3200" dirty="0">
               <a:solidFill>
                 <a:schemeClr val="accent5">
                   <a:lumMod val="75000"/>
@@ -25548,46 +24849,16 @@
               <a:buChar char="Ø"/>
             </a:pPr>
             <a:r>
-              <a:rPr lang="en-US" altLang="zh-CN" sz="2600" b="1" dirty="0">
+              <a:rPr lang="zh-CN" altLang="en-US" sz="3200" b="1" dirty="0">
                 <a:solidFill>
                   <a:schemeClr val="accent5">
                     <a:lumMod val="50000"/>
                   </a:schemeClr>
                 </a:solidFill>
               </a:rPr>
-              <a:t>Aspect-level Collaborative Filtering model based on Metric Learning</a:t>
-            </a:r>
-            <a:r>
-              <a:rPr lang="zh-CN" altLang="en-US" sz="2600" b="1" dirty="0">
-                <a:solidFill>
-                  <a:schemeClr val="accent5">
-                    <a:lumMod val="50000"/>
-                  </a:schemeClr>
-                </a:solidFill>
-              </a:rPr>
-              <a:t>（</a:t>
-            </a:r>
-            <a:r>
-              <a:rPr lang="en-US" altLang="zh-CN" sz="2600" b="1" dirty="0">
-                <a:solidFill>
-                  <a:schemeClr val="accent5">
-                    <a:lumMod val="50000"/>
-                  </a:schemeClr>
-                </a:solidFill>
-              </a:rPr>
-              <a:t>ACFML</a:t>
-            </a:r>
-            <a:r>
-              <a:rPr lang="zh-CN" altLang="en-US" sz="2600" b="1" dirty="0">
-                <a:solidFill>
-                  <a:schemeClr val="accent5">
-                    <a:lumMod val="50000"/>
-                  </a:schemeClr>
-                </a:solidFill>
-              </a:rPr>
-              <a:t>）</a:t>
-            </a:r>
-            <a:endParaRPr lang="en-US" altLang="zh-CN" sz="2600" b="1" dirty="0">
+              <a:t>模型</a:t>
+            </a:r>
+            <a:endParaRPr lang="en-US" altLang="zh-CN" sz="3200" b="1" dirty="0">
               <a:solidFill>
                 <a:schemeClr val="accent5">
                   <a:lumMod val="50000"/>
@@ -25604,7 +24875,7 @@
               <a:buChar char="•"/>
             </a:pPr>
             <a:r>
-              <a:rPr lang="zh-CN" altLang="en-US" sz="2600" dirty="0">
+              <a:rPr lang="zh-CN" altLang="en-US" sz="3200" dirty="0">
                 <a:solidFill>
                   <a:schemeClr val="accent5">
                     <a:lumMod val="75000"/>
@@ -25613,7 +24884,7 @@
               </a:rPr>
               <a:t>实验</a:t>
             </a:r>
-            <a:endParaRPr lang="en-US" altLang="zh-CN" sz="2600" dirty="0">
+            <a:endParaRPr lang="en-US" altLang="zh-CN" sz="3200" dirty="0">
               <a:solidFill>
                 <a:schemeClr val="accent5">
                   <a:lumMod val="75000"/>
@@ -25630,7 +24901,7 @@
               <a:buChar char="•"/>
             </a:pPr>
             <a:r>
-              <a:rPr lang="zh-CN" altLang="en-US" sz="2600" dirty="0">
+              <a:rPr lang="zh-CN" altLang="en-US" sz="3200" dirty="0">
                 <a:solidFill>
                   <a:schemeClr val="accent5">
                     <a:lumMod val="75000"/>
@@ -25668,13 +24939,6 @@
   <p:clrMapOvr>
     <a:masterClrMapping/>
   </p:clrMapOvr>
-  <p:timing>
-    <p:tnLst>
-      <p:par>
-        <p:cTn id="1" dur="indefinite" restart="never" nodeType="tmRoot"/>
-      </p:par>
-    </p:tnLst>
-  </p:timing>
 </p:sld>
 </file>
 
@@ -26172,13 +25436,6 @@
   <p:clrMapOvr>
     <a:masterClrMapping/>
   </p:clrMapOvr>
-  <p:timing>
-    <p:tnLst>
-      <p:par>
-        <p:cTn id="1" dur="indefinite" restart="never" nodeType="tmRoot"/>
-      </p:par>
-    </p:tnLst>
-  </p:timing>
 </p:sld>
 </file>
 
@@ -26728,13 +25985,6 @@
   <p:clrMapOvr>
     <a:masterClrMapping/>
   </p:clrMapOvr>
-  <p:timing>
-    <p:tnLst>
-      <p:par>
-        <p:cTn id="1" dur="indefinite" restart="never" nodeType="tmRoot"/>
-      </p:par>
-    </p:tnLst>
-  </p:timing>
 </p:sld>
 </file>
 
@@ -27178,13 +26428,6 @@
   <p:clrMapOvr>
     <a:masterClrMapping/>
   </p:clrMapOvr>
-  <p:timing>
-    <p:tnLst>
-      <p:par>
-        <p:cTn id="1" dur="indefinite" restart="never" nodeType="tmRoot"/>
-      </p:par>
-    </p:tnLst>
-  </p:timing>
 </p:sld>
 </file>
 
